--- a/Building real-time messaging app with - Inverse.pptx
+++ b/Building real-time messaging app with - Inverse.pptx
@@ -4,6 +4,9 @@
   <p:sldMasterIdLst>
     <p:sldMasterId id="2147483687" r:id="rId1"/>
   </p:sldMasterIdLst>
+  <p:notesMasterIdLst>
+    <p:notesMasterId r:id="rId15"/>
+  </p:notesMasterIdLst>
   <p:sldIdLst>
     <p:sldId id="256" r:id="rId2"/>
     <p:sldId id="257" r:id="rId3"/>
@@ -16,7 +19,8 @@
     <p:sldId id="265" r:id="rId10"/>
     <p:sldId id="264" r:id="rId11"/>
     <p:sldId id="263" r:id="rId12"/>
-    <p:sldId id="267" r:id="rId13"/>
+    <p:sldId id="268" r:id="rId13"/>
+    <p:sldId id="267" r:id="rId14"/>
   </p:sldIdLst>
   <p:sldSz cx="12192000" cy="6858000"/>
   <p:notesSz cx="6858000" cy="9144000"/>
@@ -4259,6 +4263,861 @@
 </dgm:styleDef>
 </file>
 
+<file path=ppt/notesMasters/notesMaster1.xml><?xml version="1.0" encoding="utf-8"?>
+<p:notesMaster xmlns:a="http://schemas.openxmlformats.org/drawingml/2006/main" xmlns:r="http://schemas.openxmlformats.org/officeDocument/2006/relationships" xmlns:p="http://schemas.openxmlformats.org/presentationml/2006/main">
+  <p:cSld>
+    <p:bg>
+      <p:bgRef idx="1001">
+        <a:schemeClr val="bg1"/>
+      </p:bgRef>
+    </p:bg>
+    <p:spTree>
+      <p:nvGrpSpPr>
+        <p:cNvPr id="1" name=""/>
+        <p:cNvGrpSpPr/>
+        <p:nvPr/>
+      </p:nvGrpSpPr>
+      <p:grpSpPr>
+        <a:xfrm>
+          <a:off x="0" y="0"/>
+          <a:ext cx="0" cy="0"/>
+          <a:chOff x="0" y="0"/>
+          <a:chExt cx="0" cy="0"/>
+        </a:xfrm>
+      </p:grpSpPr>
+      <p:sp>
+        <p:nvSpPr>
+          <p:cNvPr id="2" name="Üstbilgi Yer Tutucusu 1"/>
+          <p:cNvSpPr>
+            <a:spLocks noGrp="1"/>
+          </p:cNvSpPr>
+          <p:nvPr>
+            <p:ph type="hdr" sz="quarter"/>
+          </p:nvPr>
+        </p:nvSpPr>
+        <p:spPr>
+          <a:xfrm>
+            <a:off x="0" y="0"/>
+            <a:ext cx="2971800" cy="458788"/>
+          </a:xfrm>
+          <a:prstGeom prst="rect">
+            <a:avLst/>
+          </a:prstGeom>
+        </p:spPr>
+        <p:txBody>
+          <a:bodyPr vert="horz" lIns="91440" tIns="45720" rIns="91440" bIns="45720" rtlCol="0"/>
+          <a:lstStyle>
+            <a:lvl1pPr algn="l">
+              <a:defRPr sz="1200"/>
+            </a:lvl1pPr>
+          </a:lstStyle>
+          <a:p>
+            <a:endParaRPr lang="tr-TR"/>
+          </a:p>
+        </p:txBody>
+      </p:sp>
+      <p:sp>
+        <p:nvSpPr>
+          <p:cNvPr id="3" name="Veri Yer Tutucusu 2"/>
+          <p:cNvSpPr>
+            <a:spLocks noGrp="1"/>
+          </p:cNvSpPr>
+          <p:nvPr>
+            <p:ph type="dt" idx="1"/>
+          </p:nvPr>
+        </p:nvSpPr>
+        <p:spPr>
+          <a:xfrm>
+            <a:off x="3884613" y="0"/>
+            <a:ext cx="2971800" cy="458788"/>
+          </a:xfrm>
+          <a:prstGeom prst="rect">
+            <a:avLst/>
+          </a:prstGeom>
+        </p:spPr>
+        <p:txBody>
+          <a:bodyPr vert="horz" lIns="91440" tIns="45720" rIns="91440" bIns="45720" rtlCol="0"/>
+          <a:lstStyle>
+            <a:lvl1pPr algn="r">
+              <a:defRPr sz="1200"/>
+            </a:lvl1pPr>
+          </a:lstStyle>
+          <a:p>
+            <a:fld id="{C6DE6191-86AB-4FCA-9F7E-6E6DF8EDA7A1}" type="datetimeFigureOut">
+              <a:rPr lang="tr-TR" smtClean="0"/>
+              <a:t>23.3.2019</a:t>
+            </a:fld>
+            <a:endParaRPr lang="tr-TR"/>
+          </a:p>
+        </p:txBody>
+      </p:sp>
+      <p:sp>
+        <p:nvSpPr>
+          <p:cNvPr id="4" name="Slayt Görüntüsü Yer Tutucusu 3"/>
+          <p:cNvSpPr>
+            <a:spLocks noGrp="1" noRot="1" noChangeAspect="1"/>
+          </p:cNvSpPr>
+          <p:nvPr>
+            <p:ph type="sldImg" idx="2"/>
+          </p:nvPr>
+        </p:nvSpPr>
+        <p:spPr>
+          <a:xfrm>
+            <a:off x="685800" y="1143000"/>
+            <a:ext cx="5486400" cy="3086100"/>
+          </a:xfrm>
+          <a:prstGeom prst="rect">
+            <a:avLst/>
+          </a:prstGeom>
+          <a:noFill/>
+          <a:ln w="12700">
+            <a:solidFill>
+              <a:prstClr val="black"/>
+            </a:solidFill>
+          </a:ln>
+        </p:spPr>
+        <p:txBody>
+          <a:bodyPr vert="horz" lIns="91440" tIns="45720" rIns="91440" bIns="45720" rtlCol="0" anchor="ctr"/>
+          <a:lstStyle/>
+          <a:p>
+            <a:endParaRPr lang="tr-TR"/>
+          </a:p>
+        </p:txBody>
+      </p:sp>
+      <p:sp>
+        <p:nvSpPr>
+          <p:cNvPr id="5" name="Not Yer Tutucusu 4"/>
+          <p:cNvSpPr>
+            <a:spLocks noGrp="1"/>
+          </p:cNvSpPr>
+          <p:nvPr>
+            <p:ph type="body" sz="quarter" idx="3"/>
+          </p:nvPr>
+        </p:nvSpPr>
+        <p:spPr>
+          <a:xfrm>
+            <a:off x="685800" y="4400550"/>
+            <a:ext cx="5486400" cy="3600450"/>
+          </a:xfrm>
+          <a:prstGeom prst="rect">
+            <a:avLst/>
+          </a:prstGeom>
+        </p:spPr>
+        <p:txBody>
+          <a:bodyPr vert="horz" lIns="91440" tIns="45720" rIns="91440" bIns="45720" rtlCol="0"/>
+          <a:lstStyle/>
+          <a:p>
+            <a:pPr lvl="0"/>
+            <a:r>
+              <a:rPr lang="tr-TR" smtClean="0"/>
+              <a:t>Asıl metin stillerini düzenlemek için tıklatın</a:t>
+            </a:r>
+          </a:p>
+          <a:p>
+            <a:pPr lvl="1"/>
+            <a:r>
+              <a:rPr lang="tr-TR" smtClean="0"/>
+              <a:t>İkinci düzey</a:t>
+            </a:r>
+          </a:p>
+          <a:p>
+            <a:pPr lvl="2"/>
+            <a:r>
+              <a:rPr lang="tr-TR" smtClean="0"/>
+              <a:t>Üçüncü düzey</a:t>
+            </a:r>
+          </a:p>
+          <a:p>
+            <a:pPr lvl="3"/>
+            <a:r>
+              <a:rPr lang="tr-TR" smtClean="0"/>
+              <a:t>Dördüncü düzey</a:t>
+            </a:r>
+          </a:p>
+          <a:p>
+            <a:pPr lvl="4"/>
+            <a:r>
+              <a:rPr lang="tr-TR" smtClean="0"/>
+              <a:t>Beşinci düzey</a:t>
+            </a:r>
+            <a:endParaRPr lang="tr-TR"/>
+          </a:p>
+        </p:txBody>
+      </p:sp>
+      <p:sp>
+        <p:nvSpPr>
+          <p:cNvPr id="6" name="Altbilgi Yer Tutucusu 5"/>
+          <p:cNvSpPr>
+            <a:spLocks noGrp="1"/>
+          </p:cNvSpPr>
+          <p:nvPr>
+            <p:ph type="ftr" sz="quarter" idx="4"/>
+          </p:nvPr>
+        </p:nvSpPr>
+        <p:spPr>
+          <a:xfrm>
+            <a:off x="0" y="8685213"/>
+            <a:ext cx="2971800" cy="458787"/>
+          </a:xfrm>
+          <a:prstGeom prst="rect">
+            <a:avLst/>
+          </a:prstGeom>
+        </p:spPr>
+        <p:txBody>
+          <a:bodyPr vert="horz" lIns="91440" tIns="45720" rIns="91440" bIns="45720" rtlCol="0" anchor="b"/>
+          <a:lstStyle>
+            <a:lvl1pPr algn="l">
+              <a:defRPr sz="1200"/>
+            </a:lvl1pPr>
+          </a:lstStyle>
+          <a:p>
+            <a:endParaRPr lang="tr-TR"/>
+          </a:p>
+        </p:txBody>
+      </p:sp>
+      <p:sp>
+        <p:nvSpPr>
+          <p:cNvPr id="7" name="Slayt Numarası Yer Tutucusu 6"/>
+          <p:cNvSpPr>
+            <a:spLocks noGrp="1"/>
+          </p:cNvSpPr>
+          <p:nvPr>
+            <p:ph type="sldNum" sz="quarter" idx="5"/>
+          </p:nvPr>
+        </p:nvSpPr>
+        <p:spPr>
+          <a:xfrm>
+            <a:off x="3884613" y="8685213"/>
+            <a:ext cx="2971800" cy="458787"/>
+          </a:xfrm>
+          <a:prstGeom prst="rect">
+            <a:avLst/>
+          </a:prstGeom>
+        </p:spPr>
+        <p:txBody>
+          <a:bodyPr vert="horz" lIns="91440" tIns="45720" rIns="91440" bIns="45720" rtlCol="0" anchor="b"/>
+          <a:lstStyle>
+            <a:lvl1pPr algn="r">
+              <a:defRPr sz="1200"/>
+            </a:lvl1pPr>
+          </a:lstStyle>
+          <a:p>
+            <a:fld id="{4A43EB4A-6661-48A9-ABD1-88071E20055A}" type="slidenum">
+              <a:rPr lang="tr-TR" smtClean="0"/>
+              <a:t>‹#›</a:t>
+            </a:fld>
+            <a:endParaRPr lang="tr-TR"/>
+          </a:p>
+        </p:txBody>
+      </p:sp>
+    </p:spTree>
+    <p:extLst>
+      <p:ext uri="{BB962C8B-B14F-4D97-AF65-F5344CB8AC3E}">
+        <p14:creationId xmlns:p14="http://schemas.microsoft.com/office/powerpoint/2010/main" val="1299160070"/>
+      </p:ext>
+    </p:extLst>
+  </p:cSld>
+  <p:clrMap bg1="lt1" tx1="dk1" bg2="lt2" tx2="dk2" accent1="accent1" accent2="accent2" accent3="accent3" accent4="accent4" accent5="accent5" accent6="accent6" hlink="hlink" folHlink="folHlink"/>
+  <p:notesStyle>
+    <a:lvl1pPr marL="0" algn="l" defTabSz="914400" rtl="0" eaLnBrk="1" latinLnBrk="0" hangingPunct="1">
+      <a:defRPr sz="1200" kern="1200">
+        <a:solidFill>
+          <a:schemeClr val="tx1"/>
+        </a:solidFill>
+        <a:latin typeface="+mn-lt"/>
+        <a:ea typeface="+mn-ea"/>
+        <a:cs typeface="+mn-cs"/>
+      </a:defRPr>
+    </a:lvl1pPr>
+    <a:lvl2pPr marL="457200" algn="l" defTabSz="914400" rtl="0" eaLnBrk="1" latinLnBrk="0" hangingPunct="1">
+      <a:defRPr sz="1200" kern="1200">
+        <a:solidFill>
+          <a:schemeClr val="tx1"/>
+        </a:solidFill>
+        <a:latin typeface="+mn-lt"/>
+        <a:ea typeface="+mn-ea"/>
+        <a:cs typeface="+mn-cs"/>
+      </a:defRPr>
+    </a:lvl2pPr>
+    <a:lvl3pPr marL="914400" algn="l" defTabSz="914400" rtl="0" eaLnBrk="1" latinLnBrk="0" hangingPunct="1">
+      <a:defRPr sz="1200" kern="1200">
+        <a:solidFill>
+          <a:schemeClr val="tx1"/>
+        </a:solidFill>
+        <a:latin typeface="+mn-lt"/>
+        <a:ea typeface="+mn-ea"/>
+        <a:cs typeface="+mn-cs"/>
+      </a:defRPr>
+    </a:lvl3pPr>
+    <a:lvl4pPr marL="1371600" algn="l" defTabSz="914400" rtl="0" eaLnBrk="1" latinLnBrk="0" hangingPunct="1">
+      <a:defRPr sz="1200" kern="1200">
+        <a:solidFill>
+          <a:schemeClr val="tx1"/>
+        </a:solidFill>
+        <a:latin typeface="+mn-lt"/>
+        <a:ea typeface="+mn-ea"/>
+        <a:cs typeface="+mn-cs"/>
+      </a:defRPr>
+    </a:lvl4pPr>
+    <a:lvl5pPr marL="1828800" algn="l" defTabSz="914400" rtl="0" eaLnBrk="1" latinLnBrk="0" hangingPunct="1">
+      <a:defRPr sz="1200" kern="1200">
+        <a:solidFill>
+          <a:schemeClr val="tx1"/>
+        </a:solidFill>
+        <a:latin typeface="+mn-lt"/>
+        <a:ea typeface="+mn-ea"/>
+        <a:cs typeface="+mn-cs"/>
+      </a:defRPr>
+    </a:lvl5pPr>
+    <a:lvl6pPr marL="2286000" algn="l" defTabSz="914400" rtl="0" eaLnBrk="1" latinLnBrk="0" hangingPunct="1">
+      <a:defRPr sz="1200" kern="1200">
+        <a:solidFill>
+          <a:schemeClr val="tx1"/>
+        </a:solidFill>
+        <a:latin typeface="+mn-lt"/>
+        <a:ea typeface="+mn-ea"/>
+        <a:cs typeface="+mn-cs"/>
+      </a:defRPr>
+    </a:lvl6pPr>
+    <a:lvl7pPr marL="2743200" algn="l" defTabSz="914400" rtl="0" eaLnBrk="1" latinLnBrk="0" hangingPunct="1">
+      <a:defRPr sz="1200" kern="1200">
+        <a:solidFill>
+          <a:schemeClr val="tx1"/>
+        </a:solidFill>
+        <a:latin typeface="+mn-lt"/>
+        <a:ea typeface="+mn-ea"/>
+        <a:cs typeface="+mn-cs"/>
+      </a:defRPr>
+    </a:lvl7pPr>
+    <a:lvl8pPr marL="3200400" algn="l" defTabSz="914400" rtl="0" eaLnBrk="1" latinLnBrk="0" hangingPunct="1">
+      <a:defRPr sz="1200" kern="1200">
+        <a:solidFill>
+          <a:schemeClr val="tx1"/>
+        </a:solidFill>
+        <a:latin typeface="+mn-lt"/>
+        <a:ea typeface="+mn-ea"/>
+        <a:cs typeface="+mn-cs"/>
+      </a:defRPr>
+    </a:lvl8pPr>
+    <a:lvl9pPr marL="3657600" algn="l" defTabSz="914400" rtl="0" eaLnBrk="1" latinLnBrk="0" hangingPunct="1">
+      <a:defRPr sz="1200" kern="1200">
+        <a:solidFill>
+          <a:schemeClr val="tx1"/>
+        </a:solidFill>
+        <a:latin typeface="+mn-lt"/>
+        <a:ea typeface="+mn-ea"/>
+        <a:cs typeface="+mn-cs"/>
+      </a:defRPr>
+    </a:lvl9pPr>
+  </p:notesStyle>
+</p:notesMaster>
+</file>
+
+<file path=ppt/notesSlides/notesSlide1.xml><?xml version="1.0" encoding="utf-8"?>
+<p:notes xmlns:a="http://schemas.openxmlformats.org/drawingml/2006/main" xmlns:r="http://schemas.openxmlformats.org/officeDocument/2006/relationships" xmlns:p="http://schemas.openxmlformats.org/presentationml/2006/main">
+  <p:cSld>
+    <p:spTree>
+      <p:nvGrpSpPr>
+        <p:cNvPr id="1" name=""/>
+        <p:cNvGrpSpPr/>
+        <p:nvPr/>
+      </p:nvGrpSpPr>
+      <p:grpSpPr>
+        <a:xfrm>
+          <a:off x="0" y="0"/>
+          <a:ext cx="0" cy="0"/>
+          <a:chOff x="0" y="0"/>
+          <a:chExt cx="0" cy="0"/>
+        </a:xfrm>
+      </p:grpSpPr>
+      <p:sp>
+        <p:nvSpPr>
+          <p:cNvPr id="2" name="Slayt Görüntüsü Yer Tutucusu 1"/>
+          <p:cNvSpPr>
+            <a:spLocks noGrp="1" noRot="1" noChangeAspect="1"/>
+          </p:cNvSpPr>
+          <p:nvPr>
+            <p:ph type="sldImg"/>
+          </p:nvPr>
+        </p:nvSpPr>
+        <p:spPr/>
+      </p:sp>
+      <p:sp>
+        <p:nvSpPr>
+          <p:cNvPr id="3" name="Not Yer Tutucusu 2"/>
+          <p:cNvSpPr>
+            <a:spLocks noGrp="1"/>
+          </p:cNvSpPr>
+          <p:nvPr>
+            <p:ph type="body" idx="1"/>
+          </p:nvPr>
+        </p:nvSpPr>
+        <p:spPr/>
+        <p:txBody>
+          <a:bodyPr/>
+          <a:lstStyle/>
+          <a:p>
+            <a:r>
+              <a:rPr lang="tr-TR" dirty="0" err="1" smtClean="0"/>
+              <a:t>Typescript</a:t>
+            </a:r>
+            <a:r>
+              <a:rPr lang="tr-TR" dirty="0" smtClean="0"/>
+              <a:t> Microsoft tarafından</a:t>
+            </a:r>
+            <a:r>
+              <a:rPr lang="tr-TR" baseline="0" dirty="0" smtClean="0"/>
+              <a:t> geliştirilen </a:t>
+            </a:r>
+            <a:r>
+              <a:rPr lang="tr-TR" baseline="0" dirty="0" err="1" smtClean="0"/>
+              <a:t>javascript’in</a:t>
+            </a:r>
+            <a:r>
+              <a:rPr lang="tr-TR" baseline="0" dirty="0" smtClean="0"/>
+              <a:t> süper seti. Yani </a:t>
+            </a:r>
+            <a:r>
+              <a:rPr lang="tr-TR" baseline="0" dirty="0" err="1" smtClean="0"/>
+              <a:t>javascriptte</a:t>
+            </a:r>
+            <a:r>
+              <a:rPr lang="tr-TR" baseline="0" dirty="0" smtClean="0"/>
+              <a:t> olan bütün özellikler desteklenmekle birlikte onun üzerine farklı özellikler de geliyor. En önemlisi de adından da belli olacağı üzere </a:t>
+            </a:r>
+            <a:r>
+              <a:rPr lang="tr-TR" baseline="0" dirty="0" err="1" smtClean="0"/>
+              <a:t>typelar</a:t>
+            </a:r>
+            <a:r>
+              <a:rPr lang="tr-TR" baseline="0" dirty="0" smtClean="0"/>
+              <a:t>. </a:t>
+            </a:r>
+            <a:r>
+              <a:rPr lang="tr-TR" baseline="0" dirty="0" err="1" smtClean="0"/>
+              <a:t>Backendden</a:t>
+            </a:r>
+            <a:r>
+              <a:rPr lang="tr-TR" baseline="0" dirty="0" smtClean="0"/>
+              <a:t> alışık olduğumuz </a:t>
+            </a:r>
+            <a:r>
+              <a:rPr lang="tr-TR" baseline="0" dirty="0" err="1" smtClean="0"/>
+              <a:t>strict</a:t>
+            </a:r>
+            <a:r>
+              <a:rPr lang="tr-TR" baseline="0" dirty="0" smtClean="0"/>
+              <a:t> </a:t>
+            </a:r>
+            <a:r>
+              <a:rPr lang="tr-TR" baseline="0" dirty="0" err="1" smtClean="0"/>
+              <a:t>typing</a:t>
+            </a:r>
+            <a:r>
+              <a:rPr lang="tr-TR" baseline="0" dirty="0" smtClean="0"/>
+              <a:t> önyüzde kullanılabiliyor. </a:t>
+            </a:r>
+            <a:r>
+              <a:rPr lang="tr-TR" baseline="0" dirty="0" err="1" smtClean="0"/>
+              <a:t>Backend</a:t>
+            </a:r>
+            <a:r>
+              <a:rPr lang="tr-TR" baseline="0" dirty="0" smtClean="0"/>
+              <a:t> </a:t>
+            </a:r>
+            <a:r>
+              <a:rPr lang="tr-TR" baseline="0" dirty="0" err="1" smtClean="0"/>
+              <a:t>developerların</a:t>
+            </a:r>
+            <a:r>
+              <a:rPr lang="tr-TR" baseline="0" dirty="0" smtClean="0"/>
+              <a:t> ön yüze adaptasyonunu aslında rahatlatan bir dil.</a:t>
+            </a:r>
+            <a:endParaRPr lang="tr-TR" dirty="0" smtClean="0"/>
+          </a:p>
+          <a:p>
+            <a:endParaRPr lang="tr-TR" dirty="0" smtClean="0"/>
+          </a:p>
+          <a:p>
+            <a:r>
+              <a:rPr lang="tr-TR" dirty="0" err="1" smtClean="0"/>
+              <a:t>Reactive</a:t>
+            </a:r>
+            <a:r>
+              <a:rPr lang="tr-TR" dirty="0" smtClean="0"/>
+              <a:t> programlama artık hayatımızd</a:t>
+            </a:r>
+            <a:r>
+              <a:rPr lang="tr-TR" baseline="0" dirty="0" smtClean="0"/>
+              <a:t>a her alanda var. </a:t>
+            </a:r>
+            <a:r>
+              <a:rPr lang="tr-TR" baseline="0" dirty="0" err="1" smtClean="0"/>
+              <a:t>Backend’e</a:t>
+            </a:r>
+            <a:r>
+              <a:rPr lang="tr-TR" baseline="0" dirty="0" smtClean="0"/>
+              <a:t> geldi, zaten </a:t>
+            </a:r>
+            <a:r>
+              <a:rPr lang="tr-TR" baseline="0" dirty="0" err="1" smtClean="0"/>
+              <a:t>Rx</a:t>
+            </a:r>
+            <a:r>
+              <a:rPr lang="tr-TR" baseline="0" dirty="0" smtClean="0"/>
+              <a:t> (</a:t>
+            </a:r>
+            <a:r>
+              <a:rPr lang="tr-TR" baseline="0" dirty="0" err="1" smtClean="0"/>
+              <a:t>reactive</a:t>
+            </a:r>
+            <a:r>
+              <a:rPr lang="tr-TR" baseline="0" dirty="0" smtClean="0"/>
+              <a:t> </a:t>
+            </a:r>
+            <a:r>
+              <a:rPr lang="tr-TR" baseline="0" dirty="0" err="1" smtClean="0"/>
+              <a:t>extensions</a:t>
+            </a:r>
+            <a:r>
+              <a:rPr lang="tr-TR" baseline="0" dirty="0" smtClean="0"/>
+              <a:t>) popüler neredeyse bütün diller için yazılmış kütüphanesi var</a:t>
+            </a:r>
+          </a:p>
+          <a:p>
+            <a:r>
+              <a:rPr lang="tr-TR" baseline="0" dirty="0" smtClean="0"/>
+              <a:t>Hatta geçen gördüğüm kadarıyla </a:t>
+            </a:r>
+            <a:r>
+              <a:rPr lang="tr-TR" baseline="0" dirty="0" err="1" smtClean="0"/>
+              <a:t>mysql’e</a:t>
+            </a:r>
+            <a:r>
+              <a:rPr lang="tr-TR" baseline="0" dirty="0" smtClean="0"/>
+              <a:t> bile gelmiş. </a:t>
+            </a:r>
+            <a:r>
+              <a:rPr lang="tr-TR" baseline="0" dirty="0" err="1" smtClean="0"/>
+              <a:t>Oracle</a:t>
+            </a:r>
+            <a:r>
+              <a:rPr lang="tr-TR" baseline="0" dirty="0" smtClean="0"/>
+              <a:t> da bu konu üzerinde çalışıyor diye duymuştum. Yapmış olabilirler.</a:t>
+            </a:r>
+          </a:p>
+          <a:p>
+            <a:r>
+              <a:rPr lang="tr-TR" baseline="0" dirty="0" smtClean="0"/>
+              <a:t>Spring Framework kendisi geliştirdi ve </a:t>
+            </a:r>
+            <a:r>
+              <a:rPr lang="tr-TR" baseline="0" dirty="0" err="1" smtClean="0"/>
+              <a:t>framework’ün</a:t>
+            </a:r>
+            <a:r>
+              <a:rPr lang="tr-TR" baseline="0" dirty="0" smtClean="0"/>
+              <a:t> bir parçası haline getirdi.</a:t>
+            </a:r>
+          </a:p>
+          <a:p>
+            <a:r>
+              <a:rPr lang="tr-TR" baseline="0" dirty="0" smtClean="0"/>
+              <a:t>Oldukça popüler bir konu. Başta biraz karmaşık geliyor ve alışılmışın dışında bir programlama mantığı getiriyor ama alışınca oldukça kullanışlı ve güçlü bir kütüphane</a:t>
+            </a:r>
+          </a:p>
+          <a:p>
+            <a:endParaRPr lang="tr-TR" dirty="0" smtClean="0"/>
+          </a:p>
+          <a:p>
+            <a:r>
+              <a:rPr lang="tr-TR" dirty="0" smtClean="0"/>
+              <a:t>---Yayınevi analojisi---</a:t>
+            </a:r>
+          </a:p>
+          <a:p>
+            <a:endParaRPr lang="tr-TR" dirty="0" smtClean="0"/>
+          </a:p>
+          <a:p>
+            <a:r>
+              <a:rPr lang="tr-TR" dirty="0" err="1" smtClean="0"/>
+              <a:t>Angular</a:t>
+            </a:r>
+            <a:r>
+              <a:rPr lang="tr-TR" dirty="0" smtClean="0"/>
+              <a:t> takımı, </a:t>
+            </a:r>
+            <a:r>
+              <a:rPr lang="tr-TR" dirty="0" err="1" smtClean="0"/>
+              <a:t>angular</a:t>
+            </a:r>
+            <a:r>
+              <a:rPr lang="tr-TR" dirty="0" smtClean="0"/>
+              <a:t> 2’i yeniden yazmaya</a:t>
+            </a:r>
+            <a:r>
+              <a:rPr lang="tr-TR" baseline="0" dirty="0" smtClean="0"/>
+              <a:t> başlayınca çok büyük 2 karar almış ve aslında ne kadar doğru karar olduğunu görmüş olduk. </a:t>
+            </a:r>
+            <a:endParaRPr lang="tr-TR" dirty="0" smtClean="0"/>
+          </a:p>
+          <a:p>
+            <a:endParaRPr lang="tr-TR" dirty="0" smtClean="0"/>
+          </a:p>
+          <a:p>
+            <a:endParaRPr lang="tr-TR" dirty="0"/>
+          </a:p>
+        </p:txBody>
+      </p:sp>
+      <p:sp>
+        <p:nvSpPr>
+          <p:cNvPr id="4" name="Slayt Numarası Yer Tutucusu 3"/>
+          <p:cNvSpPr>
+            <a:spLocks noGrp="1"/>
+          </p:cNvSpPr>
+          <p:nvPr>
+            <p:ph type="sldNum" sz="quarter" idx="10"/>
+          </p:nvPr>
+        </p:nvSpPr>
+        <p:spPr/>
+        <p:txBody>
+          <a:bodyPr/>
+          <a:lstStyle/>
+          <a:p>
+            <a:fld id="{4A43EB4A-6661-48A9-ABD1-88071E20055A}" type="slidenum">
+              <a:rPr lang="tr-TR" smtClean="0"/>
+              <a:t>4</a:t>
+            </a:fld>
+            <a:endParaRPr lang="tr-TR"/>
+          </a:p>
+        </p:txBody>
+      </p:sp>
+    </p:spTree>
+    <p:extLst>
+      <p:ext uri="{BB962C8B-B14F-4D97-AF65-F5344CB8AC3E}">
+        <p14:creationId xmlns:p14="http://schemas.microsoft.com/office/powerpoint/2010/main" val="3859228043"/>
+      </p:ext>
+    </p:extLst>
+  </p:cSld>
+  <p:clrMapOvr>
+    <a:masterClrMapping/>
+  </p:clrMapOvr>
+</p:notes>
+</file>
+
+<file path=ppt/notesSlides/notesSlide2.xml><?xml version="1.0" encoding="utf-8"?>
+<p:notes xmlns:a="http://schemas.openxmlformats.org/drawingml/2006/main" xmlns:r="http://schemas.openxmlformats.org/officeDocument/2006/relationships" xmlns:p="http://schemas.openxmlformats.org/presentationml/2006/main">
+  <p:cSld>
+    <p:spTree>
+      <p:nvGrpSpPr>
+        <p:cNvPr id="1" name=""/>
+        <p:cNvGrpSpPr/>
+        <p:nvPr/>
+      </p:nvGrpSpPr>
+      <p:grpSpPr>
+        <a:xfrm>
+          <a:off x="0" y="0"/>
+          <a:ext cx="0" cy="0"/>
+          <a:chOff x="0" y="0"/>
+          <a:chExt cx="0" cy="0"/>
+        </a:xfrm>
+      </p:grpSpPr>
+      <p:sp>
+        <p:nvSpPr>
+          <p:cNvPr id="2" name="Slayt Görüntüsü Yer Tutucusu 1"/>
+          <p:cNvSpPr>
+            <a:spLocks noGrp="1" noRot="1" noChangeAspect="1"/>
+          </p:cNvSpPr>
+          <p:nvPr>
+            <p:ph type="sldImg"/>
+          </p:nvPr>
+        </p:nvSpPr>
+        <p:spPr/>
+      </p:sp>
+      <p:sp>
+        <p:nvSpPr>
+          <p:cNvPr id="3" name="Not Yer Tutucusu 2"/>
+          <p:cNvSpPr>
+            <a:spLocks noGrp="1"/>
+          </p:cNvSpPr>
+          <p:nvPr>
+            <p:ph type="body" idx="1"/>
+          </p:nvPr>
+        </p:nvSpPr>
+        <p:spPr/>
+        <p:txBody>
+          <a:bodyPr/>
+          <a:lstStyle/>
+          <a:p>
+            <a:r>
+              <a:rPr lang="tr-TR" dirty="0" err="1" smtClean="0"/>
+              <a:t>Export</a:t>
+            </a:r>
+            <a:r>
+              <a:rPr lang="tr-TR" dirty="0" smtClean="0"/>
+              <a:t> ettiği modülleri kendi </a:t>
+            </a:r>
+            <a:r>
+              <a:rPr lang="tr-TR" dirty="0" err="1" smtClean="0"/>
+              <a:t>import</a:t>
+            </a:r>
+            <a:r>
+              <a:rPr lang="tr-TR" baseline="0" dirty="0" smtClean="0"/>
+              <a:t> etmek zorunda değil. Bu şöyle bir durumda işe yarar. Her modülünüzde </a:t>
+            </a:r>
+            <a:r>
+              <a:rPr lang="tr-TR" baseline="0" dirty="0" err="1" smtClean="0"/>
+              <a:t>import</a:t>
+            </a:r>
+            <a:r>
+              <a:rPr lang="tr-TR" baseline="0" dirty="0" smtClean="0"/>
+              <a:t> ettiğiniz birçok modül varsa bunları paketleyip tek bir modülün </a:t>
+            </a:r>
+            <a:r>
+              <a:rPr lang="tr-TR" baseline="0" dirty="0" err="1" smtClean="0"/>
+              <a:t>export’una</a:t>
+            </a:r>
+            <a:r>
+              <a:rPr lang="tr-TR" baseline="0" dirty="0" smtClean="0"/>
+              <a:t> koyarsınız, o modülü de diğer modüllerde </a:t>
+            </a:r>
+            <a:r>
+              <a:rPr lang="tr-TR" baseline="0" dirty="0" err="1" smtClean="0"/>
+              <a:t>import</a:t>
+            </a:r>
+            <a:r>
+              <a:rPr lang="tr-TR" baseline="0" dirty="0" smtClean="0"/>
+              <a:t> edip tek satırda işinizi halledebilirsiniz.</a:t>
+            </a:r>
+          </a:p>
+          <a:p>
+            <a:endParaRPr lang="tr-TR" dirty="0" smtClean="0"/>
+          </a:p>
+          <a:p>
+            <a:endParaRPr lang="tr-TR" dirty="0" smtClean="0"/>
+          </a:p>
+        </p:txBody>
+      </p:sp>
+      <p:sp>
+        <p:nvSpPr>
+          <p:cNvPr id="4" name="Slayt Numarası Yer Tutucusu 3"/>
+          <p:cNvSpPr>
+            <a:spLocks noGrp="1"/>
+          </p:cNvSpPr>
+          <p:nvPr>
+            <p:ph type="sldNum" sz="quarter" idx="10"/>
+          </p:nvPr>
+        </p:nvSpPr>
+        <p:spPr/>
+        <p:txBody>
+          <a:bodyPr/>
+          <a:lstStyle/>
+          <a:p>
+            <a:fld id="{4A43EB4A-6661-48A9-ABD1-88071E20055A}" type="slidenum">
+              <a:rPr lang="tr-TR" smtClean="0"/>
+              <a:t>6</a:t>
+            </a:fld>
+            <a:endParaRPr lang="tr-TR"/>
+          </a:p>
+        </p:txBody>
+      </p:sp>
+    </p:spTree>
+    <p:extLst>
+      <p:ext uri="{BB962C8B-B14F-4D97-AF65-F5344CB8AC3E}">
+        <p14:creationId xmlns:p14="http://schemas.microsoft.com/office/powerpoint/2010/main" val="577263091"/>
+      </p:ext>
+    </p:extLst>
+  </p:cSld>
+  <p:clrMapOvr>
+    <a:masterClrMapping/>
+  </p:clrMapOvr>
+</p:notes>
+</file>
+
+<file path=ppt/notesSlides/notesSlide3.xml><?xml version="1.0" encoding="utf-8"?>
+<p:notes xmlns:a="http://schemas.openxmlformats.org/drawingml/2006/main" xmlns:r="http://schemas.openxmlformats.org/officeDocument/2006/relationships" xmlns:p="http://schemas.openxmlformats.org/presentationml/2006/main">
+  <p:cSld>
+    <p:spTree>
+      <p:nvGrpSpPr>
+        <p:cNvPr id="1" name=""/>
+        <p:cNvGrpSpPr/>
+        <p:nvPr/>
+      </p:nvGrpSpPr>
+      <p:grpSpPr>
+        <a:xfrm>
+          <a:off x="0" y="0"/>
+          <a:ext cx="0" cy="0"/>
+          <a:chOff x="0" y="0"/>
+          <a:chExt cx="0" cy="0"/>
+        </a:xfrm>
+      </p:grpSpPr>
+      <p:sp>
+        <p:nvSpPr>
+          <p:cNvPr id="2" name="Slayt Görüntüsü Yer Tutucusu 1"/>
+          <p:cNvSpPr>
+            <a:spLocks noGrp="1" noRot="1" noChangeAspect="1"/>
+          </p:cNvSpPr>
+          <p:nvPr>
+            <p:ph type="sldImg"/>
+          </p:nvPr>
+        </p:nvSpPr>
+        <p:spPr/>
+      </p:sp>
+      <p:sp>
+        <p:nvSpPr>
+          <p:cNvPr id="3" name="Not Yer Tutucusu 2"/>
+          <p:cNvSpPr>
+            <a:spLocks noGrp="1"/>
+          </p:cNvSpPr>
+          <p:nvPr>
+            <p:ph type="body" idx="1"/>
+          </p:nvPr>
+        </p:nvSpPr>
+        <p:spPr/>
+        <p:txBody>
+          <a:bodyPr/>
+          <a:lstStyle/>
+          <a:p>
+            <a:endParaRPr lang="tr-TR"/>
+          </a:p>
+        </p:txBody>
+      </p:sp>
+      <p:sp>
+        <p:nvSpPr>
+          <p:cNvPr id="4" name="Slayt Numarası Yer Tutucusu 3"/>
+          <p:cNvSpPr>
+            <a:spLocks noGrp="1"/>
+          </p:cNvSpPr>
+          <p:nvPr>
+            <p:ph type="sldNum" sz="quarter" idx="10"/>
+          </p:nvPr>
+        </p:nvSpPr>
+        <p:spPr/>
+        <p:txBody>
+          <a:bodyPr/>
+          <a:lstStyle/>
+          <a:p>
+            <a:fld id="{4A43EB4A-6661-48A9-ABD1-88071E20055A}" type="slidenum">
+              <a:rPr lang="tr-TR" smtClean="0"/>
+              <a:t>13</a:t>
+            </a:fld>
+            <a:endParaRPr lang="tr-TR"/>
+          </a:p>
+        </p:txBody>
+      </p:sp>
+    </p:spTree>
+    <p:extLst>
+      <p:ext uri="{BB962C8B-B14F-4D97-AF65-F5344CB8AC3E}">
+        <p14:creationId xmlns:p14="http://schemas.microsoft.com/office/powerpoint/2010/main" val="1296230497"/>
+      </p:ext>
+    </p:extLst>
+  </p:cSld>
+  <p:clrMapOvr>
+    <a:masterClrMapping/>
+  </p:clrMapOvr>
+</p:notes>
+</file>
+
 <file path=ppt/slideLayouts/slideLayout1.xml><?xml version="1.0" encoding="utf-8"?>
 <p:sldLayout xmlns:a="http://schemas.openxmlformats.org/drawingml/2006/main" xmlns:r="http://schemas.openxmlformats.org/officeDocument/2006/relationships" xmlns:p="http://schemas.openxmlformats.org/presentationml/2006/main" type="title" preserve="1">
   <p:cSld name="Başlık Slaydı">
@@ -4401,7 +5260,7 @@
           <a:p>
             <a:fld id="{ECD19FB2-3AAB-4D03-B13A-2960828C78E3}" type="datetimeFigureOut">
               <a:rPr lang="en-US" smtClean="0"/>
-              <a:t>3/16/2019</a:t>
+              <a:t>3/23/2019</a:t>
             </a:fld>
             <a:endParaRPr lang="en-US" dirty="0"/>
           </a:p>
@@ -4577,7 +5436,7 @@
           <a:p>
             <a:fld id="{0DED02AE-B9A4-47BD-AF8E-97E16144138B}" type="datetimeFigureOut">
               <a:rPr lang="en-US" smtClean="0"/>
-              <a:t>3/16/2019</a:t>
+              <a:t>3/23/2019</a:t>
             </a:fld>
             <a:endParaRPr lang="en-US" dirty="0"/>
           </a:p>
@@ -4762,7 +5621,7 @@
           <a:p>
             <a:fld id="{CF0FD78B-DB02-4362-BCDC-98A55456977C}" type="datetimeFigureOut">
               <a:rPr lang="en-US" smtClean="0"/>
-              <a:t>3/16/2019</a:t>
+              <a:t>3/23/2019</a:t>
             </a:fld>
             <a:endParaRPr lang="en-US" dirty="0"/>
           </a:p>
@@ -4937,7 +5796,7 @@
           <a:p>
             <a:fld id="{99916976-5D93-46E4-A98A-FAD63E4D0EA8}" type="datetimeFigureOut">
               <a:rPr lang="en-US" smtClean="0"/>
-              <a:t>3/16/2019</a:t>
+              <a:t>3/23/2019</a:t>
             </a:fld>
             <a:endParaRPr lang="en-US" dirty="0"/>
           </a:p>
@@ -5193,7 +6052,7 @@
           <a:p>
             <a:fld id="{0F39F4F5-F4D2-4D2A-AB60-88D37ADCB869}" type="datetimeFigureOut">
               <a:rPr lang="en-US" smtClean="0"/>
-              <a:t>3/16/2019</a:t>
+              <a:t>3/23/2019</a:t>
             </a:fld>
             <a:endParaRPr lang="en-US" dirty="0"/>
           </a:p>
@@ -5430,7 +6289,7 @@
           <a:p>
             <a:fld id="{D23BC6CE-6D1E-47E5-8859-F31AC5380EB2}" type="datetimeFigureOut">
               <a:rPr lang="en-US" smtClean="0"/>
-              <a:t>3/16/2019</a:t>
+              <a:t>3/23/2019</a:t>
             </a:fld>
             <a:endParaRPr lang="en-US" dirty="0"/>
           </a:p>
@@ -5782,7 +6641,7 @@
           <a:p>
             <a:fld id="{B1B4E7C4-4DA4-404D-9965-B13F2DD7D8BF}" type="datetimeFigureOut">
               <a:rPr lang="en-US" smtClean="0"/>
-              <a:t>3/16/2019</a:t>
+              <a:t>3/23/2019</a:t>
             </a:fld>
             <a:endParaRPr lang="en-US" dirty="0"/>
           </a:p>
@@ -5905,7 +6764,7 @@
           <a:p>
             <a:fld id="{476FB7AA-4A53-424F-AD41-70827B6504BA}" type="datetimeFigureOut">
               <a:rPr lang="en-US" smtClean="0"/>
-              <a:t>3/16/2019</a:t>
+              <a:t>3/23/2019</a:t>
             </a:fld>
             <a:endParaRPr lang="en-US" dirty="0"/>
           </a:p>
@@ -6028,7 +6887,7 @@
           <a:p>
             <a:fld id="{E7884882-FB12-4BC8-9960-9AD8104D7FAE}" type="datetimeFigureOut">
               <a:rPr lang="en-US" smtClean="0"/>
-              <a:t>3/16/2019</a:t>
+              <a:t>3/23/2019</a:t>
             </a:fld>
             <a:endParaRPr lang="en-US" dirty="0"/>
           </a:p>
@@ -6317,7 +7176,7 @@
           <a:p>
             <a:fld id="{F7D1BD23-6E54-4D9D-AD88-A2813C73CC25}" type="datetimeFigureOut">
               <a:rPr lang="en-US" smtClean="0"/>
-              <a:t>3/16/2019</a:t>
+              <a:t>3/23/2019</a:t>
             </a:fld>
             <a:endParaRPr lang="en-US" dirty="0"/>
           </a:p>
@@ -6586,7 +7445,7 @@
           <a:p>
             <a:fld id="{1471A834-4F3C-4AF9-9C74-05EC35A0F292}" type="datetimeFigureOut">
               <a:rPr lang="en-US" smtClean="0"/>
-              <a:t>3/16/2019</a:t>
+              <a:t>3/23/2019</a:t>
             </a:fld>
             <a:endParaRPr lang="en-US" dirty="0"/>
           </a:p>
@@ -6805,7 +7664,7 @@
           <a:p>
             <a:fld id="{51CF1133-3259-4C45-BABA-5B62D9C6F78D}" type="datetimeFigureOut">
               <a:rPr lang="en-US" smtClean="0"/>
-              <a:t>3/16/2019</a:t>
+              <a:t>3/23/2019</a:t>
             </a:fld>
             <a:endParaRPr lang="en-US" dirty="0"/>
           </a:p>
@@ -7495,7 +8354,7 @@
         <p:spPr>
           <a:xfrm>
             <a:off x="4243601" y="4256647"/>
-            <a:ext cx="2380735" cy="969496"/>
+            <a:ext cx="2380735" cy="677108"/>
           </a:xfrm>
           <a:prstGeom prst="rect">
             <a:avLst/>
@@ -7527,17 +8386,6 @@
               <a:rPr lang="tr-TR" sz="1900" dirty="0" smtClean="0"/>
               <a:t>Message</a:t>
             </a:r>
-          </a:p>
-          <a:p>
-            <a:pPr marL="285750" indent="-285750">
-              <a:buFont typeface="Arial" panose="020B0604020202020204" pitchFamily="34" charset="0"/>
-              <a:buChar char="•"/>
-            </a:pPr>
-            <a:r>
-              <a:rPr lang="tr-TR" sz="1900" dirty="0" err="1" smtClean="0"/>
-              <a:t>MessageInput</a:t>
-            </a:r>
-            <a:endParaRPr lang="tr-TR" sz="1900" dirty="0" smtClean="0"/>
           </a:p>
         </p:txBody>
       </p:sp>
@@ -8155,9 +9003,9 @@
                                           </p:stCondLst>
                                         </p:cTn>
                                         <p:tgtEl>
-                                          <p:spTgt spid="7">
+                                          <p:spTgt spid="8">
                                             <p:txEl>
-                                              <p:pRg st="2" end="2"/>
+                                              <p:pRg st="0" end="0"/>
                                             </p:txEl>
                                           </p:spTgt>
                                         </p:tgtEl>
@@ -8173,9 +9021,9 @@
                                       <p:cBhvr>
                                         <p:cTn id="47" dur="500"/>
                                         <p:tgtEl>
-                                          <p:spTgt spid="7">
+                                          <p:spTgt spid="8">
                                             <p:txEl>
-                                              <p:pRg st="2" end="2"/>
+                                              <p:pRg st="0" end="0"/>
                                             </p:txEl>
                                           </p:spTgt>
                                         </p:tgtEl>
@@ -8218,7 +9066,7 @@
                                         <p:tgtEl>
                                           <p:spTgt spid="8">
                                             <p:txEl>
-                                              <p:pRg st="0" end="0"/>
+                                              <p:pRg st="1" end="1"/>
                                             </p:txEl>
                                           </p:spTgt>
                                         </p:tgtEl>
@@ -8236,7 +9084,7 @@
                                         <p:tgtEl>
                                           <p:spTgt spid="8">
                                             <p:txEl>
-                                              <p:pRg st="0" end="0"/>
+                                              <p:pRg st="1" end="1"/>
                                             </p:txEl>
                                           </p:spTgt>
                                         </p:tgtEl>
@@ -8279,7 +9127,7 @@
                                         <p:tgtEl>
                                           <p:spTgt spid="8">
                                             <p:txEl>
-                                              <p:pRg st="1" end="1"/>
+                                              <p:pRg st="2" end="2"/>
                                             </p:txEl>
                                           </p:spTgt>
                                         </p:tgtEl>
@@ -8297,7 +9145,7 @@
                                         <p:tgtEl>
                                           <p:spTgt spid="8">
                                             <p:txEl>
-                                              <p:pRg st="1" end="1"/>
+                                              <p:pRg st="2" end="2"/>
                                             </p:txEl>
                                           </p:spTgt>
                                         </p:tgtEl>
@@ -8325,7 +9173,7 @@
                             </p:stCondLst>
                             <p:childTnLst>
                               <p:par>
-                                <p:cTn id="60" presetID="10" presetClass="entr" presetSubtype="0" fill="hold" nodeType="clickEffect">
+                                <p:cTn id="60" presetID="10" presetClass="entr" presetSubtype="0" fill="hold" grpId="0" nodeType="clickEffect">
                                   <p:stCondLst>
                                     <p:cond delay="0"/>
                                   </p:stCondLst>
@@ -8333,67 +9181,6 @@
                                     <p:set>
                                       <p:cBhvr>
                                         <p:cTn id="61" dur="1" fill="hold">
-                                          <p:stCondLst>
-                                            <p:cond delay="0"/>
-                                          </p:stCondLst>
-                                        </p:cTn>
-                                        <p:tgtEl>
-                                          <p:spTgt spid="8">
-                                            <p:txEl>
-                                              <p:pRg st="2" end="2"/>
-                                            </p:txEl>
-                                          </p:spTgt>
-                                        </p:tgtEl>
-                                        <p:attrNameLst>
-                                          <p:attrName>style.visibility</p:attrName>
-                                        </p:attrNameLst>
-                                      </p:cBhvr>
-                                      <p:to>
-                                        <p:strVal val="visible"/>
-                                      </p:to>
-                                    </p:set>
-                                    <p:animEffect transition="in" filter="fade">
-                                      <p:cBhvr>
-                                        <p:cTn id="62" dur="500"/>
-                                        <p:tgtEl>
-                                          <p:spTgt spid="8">
-                                            <p:txEl>
-                                              <p:pRg st="2" end="2"/>
-                                            </p:txEl>
-                                          </p:spTgt>
-                                        </p:tgtEl>
-                                      </p:cBhvr>
-                                    </p:animEffect>
-                                  </p:childTnLst>
-                                </p:cTn>
-                              </p:par>
-                            </p:childTnLst>
-                          </p:cTn>
-                        </p:par>
-                      </p:childTnLst>
-                    </p:cTn>
-                  </p:par>
-                  <p:par>
-                    <p:cTn id="63" fill="hold">
-                      <p:stCondLst>
-                        <p:cond delay="indefinite"/>
-                      </p:stCondLst>
-                      <p:childTnLst>
-                        <p:par>
-                          <p:cTn id="64" fill="hold">
-                            <p:stCondLst>
-                              <p:cond delay="0"/>
-                            </p:stCondLst>
-                            <p:childTnLst>
-                              <p:par>
-                                <p:cTn id="65" presetID="10" presetClass="entr" presetSubtype="0" fill="hold" grpId="0" nodeType="clickEffect">
-                                  <p:stCondLst>
-                                    <p:cond delay="0"/>
-                                  </p:stCondLst>
-                                  <p:childTnLst>
-                                    <p:set>
-                                      <p:cBhvr>
-                                        <p:cTn id="66" dur="1" fill="hold">
                                           <p:stCondLst>
                                             <p:cond delay="0"/>
                                           </p:stCondLst>
@@ -8411,7 +9198,7 @@
                                     </p:set>
                                     <p:animEffect transition="in" filter="fade">
                                       <p:cBhvr>
-                                        <p:cTn id="67" dur="500"/>
+                                        <p:cTn id="62" dur="500"/>
                                         <p:tgtEl>
                                           <p:spTgt spid="3"/>
                                         </p:tgtEl>
@@ -8574,6 +9361,204 @@
 </file>
 
 <file path=ppt/slides/slide12.xml><?xml version="1.0" encoding="utf-8"?>
+<p:sld xmlns:a="http://schemas.openxmlformats.org/drawingml/2006/main" xmlns:r="http://schemas.openxmlformats.org/officeDocument/2006/relationships" xmlns:p="http://schemas.openxmlformats.org/presentationml/2006/main">
+  <p:cSld>
+    <p:spTree>
+      <p:nvGrpSpPr>
+        <p:cNvPr id="1" name=""/>
+        <p:cNvGrpSpPr/>
+        <p:nvPr/>
+      </p:nvGrpSpPr>
+      <p:grpSpPr>
+        <a:xfrm>
+          <a:off x="0" y="0"/>
+          <a:ext cx="0" cy="0"/>
+          <a:chOff x="0" y="0"/>
+          <a:chExt cx="0" cy="0"/>
+        </a:xfrm>
+      </p:grpSpPr>
+      <p:grpSp>
+        <p:nvGrpSpPr>
+          <p:cNvPr id="12" name="Grup 11"/>
+          <p:cNvGrpSpPr/>
+          <p:nvPr/>
+        </p:nvGrpSpPr>
+        <p:grpSpPr>
+          <a:xfrm>
+            <a:off x="1205048" y="3796938"/>
+            <a:ext cx="9584871" cy="1143000"/>
+            <a:chOff x="1109254" y="3753395"/>
+            <a:chExt cx="9584871" cy="1143000"/>
+          </a:xfrm>
+        </p:grpSpPr>
+        <p:pic>
+          <p:nvPicPr>
+            <p:cNvPr id="11" name="Resim 10"/>
+            <p:cNvPicPr>
+              <a:picLocks noChangeAspect="1"/>
+            </p:cNvPicPr>
+            <p:nvPr/>
+          </p:nvPicPr>
+          <p:blipFill>
+            <a:blip r:embed="rId2">
+              <a:extLst>
+                <a:ext uri="{28A0092B-C50C-407E-A947-70E740481C1C}">
+                  <a14:useLocalDpi xmlns:a14="http://schemas.microsoft.com/office/drawing/2010/main" val="0"/>
+                </a:ext>
+              </a:extLst>
+            </a:blip>
+            <a:stretch>
+              <a:fillRect/>
+            </a:stretch>
+          </p:blipFill>
+          <p:spPr>
+            <a:xfrm>
+              <a:off x="1109254" y="3753395"/>
+              <a:ext cx="1143000" cy="1143000"/>
+            </a:xfrm>
+            <a:prstGeom prst="rect">
+              <a:avLst/>
+            </a:prstGeom>
+          </p:spPr>
+        </p:pic>
+        <p:sp>
+          <p:nvSpPr>
+            <p:cNvPr id="13" name="Metin kutusu 12"/>
+            <p:cNvSpPr txBox="1"/>
+            <p:nvPr/>
+          </p:nvSpPr>
+          <p:spPr>
+            <a:xfrm>
+              <a:off x="2360022" y="3863230"/>
+              <a:ext cx="8334103" cy="923330"/>
+            </a:xfrm>
+            <a:prstGeom prst="rect">
+              <a:avLst/>
+            </a:prstGeom>
+            <a:noFill/>
+          </p:spPr>
+          <p:txBody>
+            <a:bodyPr wrap="square" rtlCol="0">
+              <a:spAutoFit/>
+            </a:bodyPr>
+            <a:lstStyle/>
+            <a:p>
+              <a:r>
+                <a:rPr lang="tr-TR" sz="5200" dirty="0"/>
+                <a:t>/</a:t>
+              </a:r>
+              <a:r>
+                <a:rPr lang="tr-TR" sz="5200" dirty="0" err="1" smtClean="0"/>
+                <a:t>bnymncoskuner</a:t>
+              </a:r>
+              <a:endParaRPr lang="tr-TR" sz="5200" dirty="0"/>
+            </a:p>
+          </p:txBody>
+        </p:sp>
+      </p:grpSp>
+      <p:grpSp>
+        <p:nvGrpSpPr>
+          <p:cNvPr id="3" name="Grup 2"/>
+          <p:cNvGrpSpPr/>
+          <p:nvPr/>
+        </p:nvGrpSpPr>
+        <p:grpSpPr>
+          <a:xfrm>
+            <a:off x="1205048" y="1577340"/>
+            <a:ext cx="9584871" cy="1143000"/>
+            <a:chOff x="1205048" y="1577340"/>
+            <a:chExt cx="9584871" cy="1143000"/>
+          </a:xfrm>
+        </p:grpSpPr>
+        <p:sp>
+          <p:nvSpPr>
+            <p:cNvPr id="9" name="Metin kutusu 8"/>
+            <p:cNvSpPr txBox="1"/>
+            <p:nvPr/>
+          </p:nvSpPr>
+          <p:spPr>
+            <a:xfrm>
+              <a:off x="2455816" y="1687175"/>
+              <a:ext cx="8334103" cy="892552"/>
+            </a:xfrm>
+            <a:prstGeom prst="rect">
+              <a:avLst/>
+            </a:prstGeom>
+            <a:noFill/>
+          </p:spPr>
+          <p:txBody>
+            <a:bodyPr wrap="square" rtlCol="0">
+              <a:spAutoFit/>
+            </a:bodyPr>
+            <a:lstStyle/>
+            <a:p>
+              <a:r>
+                <a:rPr lang="tr-TR" sz="5200" dirty="0"/>
+                <a:t>/</a:t>
+              </a:r>
+              <a:r>
+                <a:rPr lang="tr-TR" sz="5200" dirty="0" err="1"/>
+                <a:t>bnymncoskuner</a:t>
+              </a:r>
+              <a:r>
+                <a:rPr lang="tr-TR" sz="5200" dirty="0"/>
+                <a:t>/wtm-iwd19</a:t>
+              </a:r>
+            </a:p>
+          </p:txBody>
+        </p:sp>
+        <p:pic>
+          <p:nvPicPr>
+            <p:cNvPr id="2" name="Resim 1"/>
+            <p:cNvPicPr>
+              <a:picLocks noChangeAspect="1"/>
+            </p:cNvPicPr>
+            <p:nvPr/>
+          </p:nvPicPr>
+          <p:blipFill>
+            <a:blip r:embed="rId3">
+              <a:extLst>
+                <a:ext uri="{28A0092B-C50C-407E-A947-70E740481C1C}">
+                  <a14:useLocalDpi xmlns:a14="http://schemas.microsoft.com/office/drawing/2010/main" val="0"/>
+                </a:ext>
+              </a:extLst>
+            </a:blip>
+            <a:stretch>
+              <a:fillRect/>
+            </a:stretch>
+          </p:blipFill>
+          <p:spPr>
+            <a:xfrm>
+              <a:off x="1205048" y="1577340"/>
+              <a:ext cx="1143000" cy="1143000"/>
+            </a:xfrm>
+            <a:prstGeom prst="rect">
+              <a:avLst/>
+            </a:prstGeom>
+          </p:spPr>
+        </p:pic>
+      </p:grpSp>
+    </p:spTree>
+    <p:extLst>
+      <p:ext uri="{BB962C8B-B14F-4D97-AF65-F5344CB8AC3E}">
+        <p14:creationId xmlns:p14="http://schemas.microsoft.com/office/powerpoint/2010/main" val="850768053"/>
+      </p:ext>
+    </p:extLst>
+  </p:cSld>
+  <p:clrMapOvr>
+    <a:masterClrMapping/>
+  </p:clrMapOvr>
+  <p:timing>
+    <p:tnLst>
+      <p:par>
+        <p:cTn id="1" dur="indefinite" restart="never" nodeType="tmRoot"/>
+      </p:par>
+    </p:tnLst>
+  </p:timing>
+</p:sld>
+</file>
+
+<file path=ppt/slides/slide13.xml><?xml version="1.0" encoding="utf-8"?>
 <p:sld xmlns:a="http://schemas.openxmlformats.org/drawingml/2006/main" xmlns:r="http://schemas.openxmlformats.org/officeDocument/2006/relationships" xmlns:p="http://schemas.openxmlformats.org/presentationml/2006/main">
   <p:cSld>
     <p:spTree>
@@ -11012,7 +11997,7 @@
           <p:nvPr/>
         </p:nvPicPr>
         <p:blipFill>
-          <a:blip r:embed="rId2"/>
+          <a:blip r:embed="rId3"/>
           <a:stretch>
             <a:fillRect/>
           </a:stretch>
@@ -11036,7 +12021,7 @@
           <p:nvPr/>
         </p:nvPicPr>
         <p:blipFill rotWithShape="1">
-          <a:blip r:embed="rId3"/>
+          <a:blip r:embed="rId4"/>
           <a:srcRect r="3370"/>
           <a:stretch/>
         </p:blipFill>
@@ -11059,7 +12044,7 @@
           <p:nvPr/>
         </p:nvPicPr>
         <p:blipFill rotWithShape="1">
-          <a:blip r:embed="rId4"/>
+          <a:blip r:embed="rId5"/>
           <a:srcRect r="1414"/>
           <a:stretch/>
         </p:blipFill>
@@ -13370,4 +14355,265 @@
   <a:objectDefaults/>
   <a:extraClrSchemeLst/>
 </a:theme>
+</file>
+
+<file path=ppt/theme/theme2.xml><?xml version="1.0" encoding="utf-8"?>
+<a:theme xmlns:a="http://schemas.openxmlformats.org/drawingml/2006/main" name="Office Teması">
+  <a:themeElements>
+    <a:clrScheme name="Office">
+      <a:dk1>
+        <a:sysClr val="windowText" lastClr="000000"/>
+      </a:dk1>
+      <a:lt1>
+        <a:sysClr val="window" lastClr="FFFFFF"/>
+      </a:lt1>
+      <a:dk2>
+        <a:srgbClr val="44546A"/>
+      </a:dk2>
+      <a:lt2>
+        <a:srgbClr val="E7E6E6"/>
+      </a:lt2>
+      <a:accent1>
+        <a:srgbClr val="5B9BD5"/>
+      </a:accent1>
+      <a:accent2>
+        <a:srgbClr val="ED7D31"/>
+      </a:accent2>
+      <a:accent3>
+        <a:srgbClr val="A5A5A5"/>
+      </a:accent3>
+      <a:accent4>
+        <a:srgbClr val="FFC000"/>
+      </a:accent4>
+      <a:accent5>
+        <a:srgbClr val="4472C4"/>
+      </a:accent5>
+      <a:accent6>
+        <a:srgbClr val="70AD47"/>
+      </a:accent6>
+      <a:hlink>
+        <a:srgbClr val="0563C1"/>
+      </a:hlink>
+      <a:folHlink>
+        <a:srgbClr val="954F72"/>
+      </a:folHlink>
+    </a:clrScheme>
+    <a:fontScheme name="Office">
+      <a:majorFont>
+        <a:latin typeface="Calibri Light" panose="020F0302020204030204"/>
+        <a:ea typeface=""/>
+        <a:cs typeface=""/>
+        <a:font script="Jpan" typeface="ＭＳ Ｐゴシック"/>
+        <a:font script="Hang" typeface="맑은 고딕"/>
+        <a:font script="Hans" typeface="宋体"/>
+        <a:font script="Hant" typeface="新細明體"/>
+        <a:font script="Arab" typeface="Times New Roman"/>
+        <a:font script="Hebr" typeface="Times New Roman"/>
+        <a:font script="Thai" typeface="Angsana New"/>
+        <a:font script="Ethi" typeface="Nyala"/>
+        <a:font script="Beng" typeface="Vrinda"/>
+        <a:font script="Gujr" typeface="Shruti"/>
+        <a:font script="Khmr" typeface="MoolBoran"/>
+        <a:font script="Knda" typeface="Tunga"/>
+        <a:font script="Guru" typeface="Raavi"/>
+        <a:font script="Cans" typeface="Euphemia"/>
+        <a:font script="Cher" typeface="Plantagenet Cherokee"/>
+        <a:font script="Yiii" typeface="Microsoft Yi Baiti"/>
+        <a:font script="Tibt" typeface="Microsoft Himalaya"/>
+        <a:font script="Thaa" typeface="MV Boli"/>
+        <a:font script="Deva" typeface="Mangal"/>
+        <a:font script="Telu" typeface="Gautami"/>
+        <a:font script="Taml" typeface="Latha"/>
+        <a:font script="Syrc" typeface="Estrangelo Edessa"/>
+        <a:font script="Orya" typeface="Kalinga"/>
+        <a:font script="Mlym" typeface="Kartika"/>
+        <a:font script="Laoo" typeface="DokChampa"/>
+        <a:font script="Sinh" typeface="Iskoola Pota"/>
+        <a:font script="Mong" typeface="Mongolian Baiti"/>
+        <a:font script="Viet" typeface="Times New Roman"/>
+        <a:font script="Uigh" typeface="Microsoft Uighur"/>
+        <a:font script="Geor" typeface="Sylfaen"/>
+      </a:majorFont>
+      <a:minorFont>
+        <a:latin typeface="Calibri" panose="020F0502020204030204"/>
+        <a:ea typeface=""/>
+        <a:cs typeface=""/>
+        <a:font script="Jpan" typeface="ＭＳ Ｐゴシック"/>
+        <a:font script="Hang" typeface="맑은 고딕"/>
+        <a:font script="Hans" typeface="宋体"/>
+        <a:font script="Hant" typeface="新細明體"/>
+        <a:font script="Arab" typeface="Arial"/>
+        <a:font script="Hebr" typeface="Arial"/>
+        <a:font script="Thai" typeface="Cordia New"/>
+        <a:font script="Ethi" typeface="Nyala"/>
+        <a:font script="Beng" typeface="Vrinda"/>
+        <a:font script="Gujr" typeface="Shruti"/>
+        <a:font script="Khmr" typeface="DaunPenh"/>
+        <a:font script="Knda" typeface="Tunga"/>
+        <a:font script="Guru" typeface="Raavi"/>
+        <a:font script="Cans" typeface="Euphemia"/>
+        <a:font script="Cher" typeface="Plantagenet Cherokee"/>
+        <a:font script="Yiii" typeface="Microsoft Yi Baiti"/>
+        <a:font script="Tibt" typeface="Microsoft Himalaya"/>
+        <a:font script="Thaa" typeface="MV Boli"/>
+        <a:font script="Deva" typeface="Mangal"/>
+        <a:font script="Telu" typeface="Gautami"/>
+        <a:font script="Taml" typeface="Latha"/>
+        <a:font script="Syrc" typeface="Estrangelo Edessa"/>
+        <a:font script="Orya" typeface="Kalinga"/>
+        <a:font script="Mlym" typeface="Kartika"/>
+        <a:font script="Laoo" typeface="DokChampa"/>
+        <a:font script="Sinh" typeface="Iskoola Pota"/>
+        <a:font script="Mong" typeface="Mongolian Baiti"/>
+        <a:font script="Viet" typeface="Arial"/>
+        <a:font script="Uigh" typeface="Microsoft Uighur"/>
+        <a:font script="Geor" typeface="Sylfaen"/>
+      </a:minorFont>
+    </a:fontScheme>
+    <a:fmtScheme name="Office">
+      <a:fillStyleLst>
+        <a:solidFill>
+          <a:schemeClr val="phClr"/>
+        </a:solidFill>
+        <a:gradFill rotWithShape="1">
+          <a:gsLst>
+            <a:gs pos="0">
+              <a:schemeClr val="phClr">
+                <a:lumMod val="110000"/>
+                <a:satMod val="105000"/>
+                <a:tint val="67000"/>
+              </a:schemeClr>
+            </a:gs>
+            <a:gs pos="50000">
+              <a:schemeClr val="phClr">
+                <a:lumMod val="105000"/>
+                <a:satMod val="103000"/>
+                <a:tint val="73000"/>
+              </a:schemeClr>
+            </a:gs>
+            <a:gs pos="100000">
+              <a:schemeClr val="phClr">
+                <a:lumMod val="105000"/>
+                <a:satMod val="109000"/>
+                <a:tint val="81000"/>
+              </a:schemeClr>
+            </a:gs>
+          </a:gsLst>
+          <a:lin ang="5400000" scaled="0"/>
+        </a:gradFill>
+        <a:gradFill rotWithShape="1">
+          <a:gsLst>
+            <a:gs pos="0">
+              <a:schemeClr val="phClr">
+                <a:satMod val="103000"/>
+                <a:lumMod val="102000"/>
+                <a:tint val="94000"/>
+              </a:schemeClr>
+            </a:gs>
+            <a:gs pos="50000">
+              <a:schemeClr val="phClr">
+                <a:satMod val="110000"/>
+                <a:lumMod val="100000"/>
+                <a:shade val="100000"/>
+              </a:schemeClr>
+            </a:gs>
+            <a:gs pos="100000">
+              <a:schemeClr val="phClr">
+                <a:lumMod val="99000"/>
+                <a:satMod val="120000"/>
+                <a:shade val="78000"/>
+              </a:schemeClr>
+            </a:gs>
+          </a:gsLst>
+          <a:lin ang="5400000" scaled="0"/>
+        </a:gradFill>
+      </a:fillStyleLst>
+      <a:lnStyleLst>
+        <a:ln w="6350" cap="flat" cmpd="sng" algn="ctr">
+          <a:solidFill>
+            <a:schemeClr val="phClr"/>
+          </a:solidFill>
+          <a:prstDash val="solid"/>
+          <a:miter lim="800000"/>
+        </a:ln>
+        <a:ln w="12700" cap="flat" cmpd="sng" algn="ctr">
+          <a:solidFill>
+            <a:schemeClr val="phClr"/>
+          </a:solidFill>
+          <a:prstDash val="solid"/>
+          <a:miter lim="800000"/>
+        </a:ln>
+        <a:ln w="19050" cap="flat" cmpd="sng" algn="ctr">
+          <a:solidFill>
+            <a:schemeClr val="phClr"/>
+          </a:solidFill>
+          <a:prstDash val="solid"/>
+          <a:miter lim="800000"/>
+        </a:ln>
+      </a:lnStyleLst>
+      <a:effectStyleLst>
+        <a:effectStyle>
+          <a:effectLst/>
+        </a:effectStyle>
+        <a:effectStyle>
+          <a:effectLst/>
+        </a:effectStyle>
+        <a:effectStyle>
+          <a:effectLst>
+            <a:outerShdw blurRad="57150" dist="19050" dir="5400000" algn="ctr" rotWithShape="0">
+              <a:srgbClr val="000000">
+                <a:alpha val="63000"/>
+              </a:srgbClr>
+            </a:outerShdw>
+          </a:effectLst>
+        </a:effectStyle>
+      </a:effectStyleLst>
+      <a:bgFillStyleLst>
+        <a:solidFill>
+          <a:schemeClr val="phClr"/>
+        </a:solidFill>
+        <a:solidFill>
+          <a:schemeClr val="phClr">
+            <a:tint val="95000"/>
+            <a:satMod val="170000"/>
+          </a:schemeClr>
+        </a:solidFill>
+        <a:gradFill rotWithShape="1">
+          <a:gsLst>
+            <a:gs pos="0">
+              <a:schemeClr val="phClr">
+                <a:tint val="93000"/>
+                <a:satMod val="150000"/>
+                <a:shade val="98000"/>
+                <a:lumMod val="102000"/>
+              </a:schemeClr>
+            </a:gs>
+            <a:gs pos="50000">
+              <a:schemeClr val="phClr">
+                <a:tint val="98000"/>
+                <a:satMod val="130000"/>
+                <a:shade val="90000"/>
+                <a:lumMod val="103000"/>
+              </a:schemeClr>
+            </a:gs>
+            <a:gs pos="100000">
+              <a:schemeClr val="phClr">
+                <a:shade val="63000"/>
+                <a:satMod val="120000"/>
+              </a:schemeClr>
+            </a:gs>
+          </a:gsLst>
+          <a:lin ang="5400000" scaled="0"/>
+        </a:gradFill>
+      </a:bgFillStyleLst>
+    </a:fmtScheme>
+  </a:themeElements>
+  <a:objectDefaults/>
+  <a:extraClrSchemeLst/>
+  <a:extLst>
+    <a:ext uri="{05A4C25C-085E-4340-85A3-A5531E510DB2}">
+      <thm15:themeFamily xmlns:thm15="http://schemas.microsoft.com/office/thememl/2012/main" name="Office Theme" id="{62F939B6-93AF-4DB8-9C6B-D6C7DFDC589F}" vid="{4A3C46E8-61CC-4603-A589-7422A47A8E4A}"/>
+    </a:ext>
+  </a:extLst>
+</a:theme>
 </file>
--- a/Building real-time messaging app with - Inverse.pptx
+++ b/Building real-time messaging app with - Inverse.pptx
@@ -1446,639 +1446,6 @@
       <dsp:cNvGrpSpPr/>
     </dsp:nvGrpSpPr>
     <dsp:grpSpPr/>
-    <dsp:sp modelId="{066543F4-2FF5-4AF3-A00E-9F77C4B9C6BE}">
-      <dsp:nvSpPr>
-        <dsp:cNvPr id="0" name=""/>
-        <dsp:cNvSpPr/>
-      </dsp:nvSpPr>
-      <dsp:spPr>
-        <a:xfrm>
-          <a:off x="4475163" y="2780674"/>
-          <a:ext cx="3504975" cy="405534"/>
-        </a:xfrm>
-        <a:custGeom>
-          <a:avLst/>
-          <a:gdLst/>
-          <a:ahLst/>
-          <a:cxnLst/>
-          <a:rect l="0" t="0" r="0" b="0"/>
-          <a:pathLst>
-            <a:path>
-              <a:moveTo>
-                <a:pt x="0" y="0"/>
-              </a:moveTo>
-              <a:lnTo>
-                <a:pt x="0" y="202767"/>
-              </a:lnTo>
-              <a:lnTo>
-                <a:pt x="3504975" y="202767"/>
-              </a:lnTo>
-              <a:lnTo>
-                <a:pt x="3504975" y="405534"/>
-              </a:lnTo>
-            </a:path>
-          </a:pathLst>
-        </a:custGeom>
-        <a:noFill/>
-        <a:ln w="12700" cap="flat" cmpd="sng" algn="ctr">
-          <a:solidFill>
-            <a:schemeClr val="accent1">
-              <a:shade val="60000"/>
-              <a:hueOff val="0"/>
-              <a:satOff val="0"/>
-              <a:lumOff val="0"/>
-              <a:alphaOff val="0"/>
-            </a:schemeClr>
-          </a:solidFill>
-          <a:prstDash val="solid"/>
-        </a:ln>
-        <a:effectLst/>
-      </dsp:spPr>
-      <dsp:style>
-        <a:lnRef idx="2">
-          <a:scrgbClr r="0" g="0" b="0"/>
-        </a:lnRef>
-        <a:fillRef idx="0">
-          <a:scrgbClr r="0" g="0" b="0"/>
-        </a:fillRef>
-        <a:effectRef idx="0">
-          <a:scrgbClr r="0" g="0" b="0"/>
-        </a:effectRef>
-        <a:fontRef idx="minor"/>
-      </dsp:style>
-    </dsp:sp>
-    <dsp:sp modelId="{158E5F92-F335-4BFD-98A4-D7738A23DDD1}">
-      <dsp:nvSpPr>
-        <dsp:cNvPr id="0" name=""/>
-        <dsp:cNvSpPr/>
-      </dsp:nvSpPr>
-      <dsp:spPr>
-        <a:xfrm>
-          <a:off x="4475163" y="2780674"/>
-          <a:ext cx="1168325" cy="405534"/>
-        </a:xfrm>
-        <a:custGeom>
-          <a:avLst/>
-          <a:gdLst/>
-          <a:ahLst/>
-          <a:cxnLst/>
-          <a:rect l="0" t="0" r="0" b="0"/>
-          <a:pathLst>
-            <a:path>
-              <a:moveTo>
-                <a:pt x="0" y="0"/>
-              </a:moveTo>
-              <a:lnTo>
-                <a:pt x="0" y="202767"/>
-              </a:lnTo>
-              <a:lnTo>
-                <a:pt x="1168325" y="202767"/>
-              </a:lnTo>
-              <a:lnTo>
-                <a:pt x="1168325" y="405534"/>
-              </a:lnTo>
-            </a:path>
-          </a:pathLst>
-        </a:custGeom>
-        <a:noFill/>
-        <a:ln w="12700" cap="flat" cmpd="sng" algn="ctr">
-          <a:solidFill>
-            <a:schemeClr val="accent1">
-              <a:shade val="60000"/>
-              <a:hueOff val="0"/>
-              <a:satOff val="0"/>
-              <a:lumOff val="0"/>
-              <a:alphaOff val="0"/>
-            </a:schemeClr>
-          </a:solidFill>
-          <a:prstDash val="solid"/>
-        </a:ln>
-        <a:effectLst/>
-      </dsp:spPr>
-      <dsp:style>
-        <a:lnRef idx="2">
-          <a:scrgbClr r="0" g="0" b="0"/>
-        </a:lnRef>
-        <a:fillRef idx="0">
-          <a:scrgbClr r="0" g="0" b="0"/>
-        </a:fillRef>
-        <a:effectRef idx="0">
-          <a:scrgbClr r="0" g="0" b="0"/>
-        </a:effectRef>
-        <a:fontRef idx="minor"/>
-      </dsp:style>
-    </dsp:sp>
-    <dsp:sp modelId="{F56C4C3A-3B35-4A53-827B-6E190CD908C0}">
-      <dsp:nvSpPr>
-        <dsp:cNvPr id="0" name=""/>
-        <dsp:cNvSpPr/>
-      </dsp:nvSpPr>
-      <dsp:spPr>
-        <a:xfrm>
-          <a:off x="3306837" y="2780674"/>
-          <a:ext cx="1168325" cy="405534"/>
-        </a:xfrm>
-        <a:custGeom>
-          <a:avLst/>
-          <a:gdLst/>
-          <a:ahLst/>
-          <a:cxnLst/>
-          <a:rect l="0" t="0" r="0" b="0"/>
-          <a:pathLst>
-            <a:path>
-              <a:moveTo>
-                <a:pt x="1168325" y="0"/>
-              </a:moveTo>
-              <a:lnTo>
-                <a:pt x="1168325" y="202767"/>
-              </a:lnTo>
-              <a:lnTo>
-                <a:pt x="0" y="202767"/>
-              </a:lnTo>
-              <a:lnTo>
-                <a:pt x="0" y="405534"/>
-              </a:lnTo>
-            </a:path>
-          </a:pathLst>
-        </a:custGeom>
-        <a:noFill/>
-        <a:ln w="12700" cap="flat" cmpd="sng" algn="ctr">
-          <a:solidFill>
-            <a:schemeClr val="accent1">
-              <a:shade val="60000"/>
-              <a:hueOff val="0"/>
-              <a:satOff val="0"/>
-              <a:lumOff val="0"/>
-              <a:alphaOff val="0"/>
-            </a:schemeClr>
-          </a:solidFill>
-          <a:prstDash val="solid"/>
-        </a:ln>
-        <a:effectLst/>
-      </dsp:spPr>
-      <dsp:style>
-        <a:lnRef idx="2">
-          <a:scrgbClr r="0" g="0" b="0"/>
-        </a:lnRef>
-        <a:fillRef idx="0">
-          <a:scrgbClr r="0" g="0" b="0"/>
-        </a:fillRef>
-        <a:effectRef idx="0">
-          <a:scrgbClr r="0" g="0" b="0"/>
-        </a:effectRef>
-        <a:fontRef idx="minor"/>
-      </dsp:style>
-    </dsp:sp>
-    <dsp:sp modelId="{F67BD0B9-0F2F-4600-B5EA-CCC6B927BCCA}">
-      <dsp:nvSpPr>
-        <dsp:cNvPr id="0" name=""/>
-        <dsp:cNvSpPr/>
-      </dsp:nvSpPr>
-      <dsp:spPr>
-        <a:xfrm>
-          <a:off x="970187" y="2780674"/>
-          <a:ext cx="3504975" cy="405534"/>
-        </a:xfrm>
-        <a:custGeom>
-          <a:avLst/>
-          <a:gdLst/>
-          <a:ahLst/>
-          <a:cxnLst/>
-          <a:rect l="0" t="0" r="0" b="0"/>
-          <a:pathLst>
-            <a:path>
-              <a:moveTo>
-                <a:pt x="3504975" y="0"/>
-              </a:moveTo>
-              <a:lnTo>
-                <a:pt x="3504975" y="202767"/>
-              </a:lnTo>
-              <a:lnTo>
-                <a:pt x="0" y="202767"/>
-              </a:lnTo>
-              <a:lnTo>
-                <a:pt x="0" y="405534"/>
-              </a:lnTo>
-            </a:path>
-          </a:pathLst>
-        </a:custGeom>
-        <a:noFill/>
-        <a:ln w="12700" cap="flat" cmpd="sng" algn="ctr">
-          <a:solidFill>
-            <a:schemeClr val="accent1">
-              <a:shade val="60000"/>
-              <a:hueOff val="0"/>
-              <a:satOff val="0"/>
-              <a:lumOff val="0"/>
-              <a:alphaOff val="0"/>
-            </a:schemeClr>
-          </a:solidFill>
-          <a:prstDash val="solid"/>
-        </a:ln>
-        <a:effectLst/>
-      </dsp:spPr>
-      <dsp:style>
-        <a:lnRef idx="2">
-          <a:scrgbClr r="0" g="0" b="0"/>
-        </a:lnRef>
-        <a:fillRef idx="0">
-          <a:scrgbClr r="0" g="0" b="0"/>
-        </a:fillRef>
-        <a:effectRef idx="0">
-          <a:scrgbClr r="0" g="0" b="0"/>
-        </a:effectRef>
-        <a:fontRef idx="minor"/>
-      </dsp:style>
-    </dsp:sp>
-    <dsp:sp modelId="{A127AB49-2B10-41CE-A5DA-99E3B63B9EEC}">
-      <dsp:nvSpPr>
-        <dsp:cNvPr id="0" name=""/>
-        <dsp:cNvSpPr/>
-      </dsp:nvSpPr>
-      <dsp:spPr>
-        <a:xfrm>
-          <a:off x="3509605" y="1815116"/>
-          <a:ext cx="1931115" cy="965557"/>
-        </a:xfrm>
-        <a:prstGeom prst="rect">
-          <a:avLst/>
-        </a:prstGeom>
-        <a:solidFill>
-          <a:schemeClr val="accent1">
-            <a:hueOff val="0"/>
-            <a:satOff val="0"/>
-            <a:lumOff val="0"/>
-            <a:alphaOff val="0"/>
-          </a:schemeClr>
-        </a:solidFill>
-        <a:ln w="12700" cap="flat" cmpd="sng" algn="ctr">
-          <a:solidFill>
-            <a:schemeClr val="lt1">
-              <a:hueOff val="0"/>
-              <a:satOff val="0"/>
-              <a:lumOff val="0"/>
-              <a:alphaOff val="0"/>
-            </a:schemeClr>
-          </a:solidFill>
-          <a:prstDash val="solid"/>
-        </a:ln>
-        <a:effectLst/>
-      </dsp:spPr>
-      <dsp:style>
-        <a:lnRef idx="2">
-          <a:scrgbClr r="0" g="0" b="0"/>
-        </a:lnRef>
-        <a:fillRef idx="1">
-          <a:scrgbClr r="0" g="0" b="0"/>
-        </a:fillRef>
-        <a:effectRef idx="0">
-          <a:scrgbClr r="0" g="0" b="0"/>
-        </a:effectRef>
-        <a:fontRef idx="minor">
-          <a:schemeClr val="lt1"/>
-        </a:fontRef>
-      </dsp:style>
-      <dsp:txBody>
-        <a:bodyPr spcFirstLastPara="0" vert="horz" wrap="square" lIns="20955" tIns="20955" rIns="20955" bIns="20955" numCol="1" spcCol="1270" anchor="ctr" anchorCtr="0">
-          <a:noAutofit/>
-        </a:bodyPr>
-        <a:lstStyle/>
-        <a:p>
-          <a:pPr lvl="0" algn="ctr" defTabSz="1466850">
-            <a:lnSpc>
-              <a:spcPct val="90000"/>
-            </a:lnSpc>
-            <a:spcBef>
-              <a:spcPct val="0"/>
-            </a:spcBef>
-            <a:spcAft>
-              <a:spcPct val="35000"/>
-            </a:spcAft>
-          </a:pPr>
-          <a:r>
-            <a:rPr lang="tr-TR" sz="3300" kern="1200" dirty="0" err="1" smtClean="0"/>
-            <a:t>App</a:t>
-          </a:r>
-          <a:endParaRPr lang="tr-TR" sz="3300" kern="1200" dirty="0"/>
-        </a:p>
-      </dsp:txBody>
-      <dsp:txXfrm>
-        <a:off x="3509605" y="1815116"/>
-        <a:ext cx="1931115" cy="965557"/>
-      </dsp:txXfrm>
-    </dsp:sp>
-    <dsp:sp modelId="{EBA4DF50-07BA-41FF-BB5A-1D91BC7C7EAA}">
-      <dsp:nvSpPr>
-        <dsp:cNvPr id="0" name=""/>
-        <dsp:cNvSpPr/>
-      </dsp:nvSpPr>
-      <dsp:spPr>
-        <a:xfrm>
-          <a:off x="4629" y="3186209"/>
-          <a:ext cx="1931115" cy="965557"/>
-        </a:xfrm>
-        <a:prstGeom prst="rect">
-          <a:avLst/>
-        </a:prstGeom>
-        <a:solidFill>
-          <a:schemeClr val="accent1">
-            <a:hueOff val="0"/>
-            <a:satOff val="0"/>
-            <a:lumOff val="0"/>
-            <a:alphaOff val="0"/>
-          </a:schemeClr>
-        </a:solidFill>
-        <a:ln w="12700" cap="flat" cmpd="sng" algn="ctr">
-          <a:solidFill>
-            <a:schemeClr val="lt1">
-              <a:hueOff val="0"/>
-              <a:satOff val="0"/>
-              <a:lumOff val="0"/>
-              <a:alphaOff val="0"/>
-            </a:schemeClr>
-          </a:solidFill>
-          <a:prstDash val="solid"/>
-        </a:ln>
-        <a:effectLst/>
-      </dsp:spPr>
-      <dsp:style>
-        <a:lnRef idx="2">
-          <a:scrgbClr r="0" g="0" b="0"/>
-        </a:lnRef>
-        <a:fillRef idx="1">
-          <a:scrgbClr r="0" g="0" b="0"/>
-        </a:fillRef>
-        <a:effectRef idx="0">
-          <a:scrgbClr r="0" g="0" b="0"/>
-        </a:effectRef>
-        <a:fontRef idx="minor">
-          <a:schemeClr val="lt1"/>
-        </a:fontRef>
-      </dsp:style>
-      <dsp:txBody>
-        <a:bodyPr spcFirstLastPara="0" vert="horz" wrap="square" lIns="20955" tIns="20955" rIns="20955" bIns="20955" numCol="1" spcCol="1270" anchor="ctr" anchorCtr="0">
-          <a:noAutofit/>
-        </a:bodyPr>
-        <a:lstStyle/>
-        <a:p>
-          <a:pPr lvl="0" algn="ctr" defTabSz="1466850">
-            <a:lnSpc>
-              <a:spcPct val="90000"/>
-            </a:lnSpc>
-            <a:spcBef>
-              <a:spcPct val="0"/>
-            </a:spcBef>
-            <a:spcAft>
-              <a:spcPct val="35000"/>
-            </a:spcAft>
-          </a:pPr>
-          <a:r>
-            <a:rPr lang="tr-TR" sz="3300" kern="1200" dirty="0" err="1" smtClean="0"/>
-            <a:t>Core</a:t>
-          </a:r>
-          <a:endParaRPr lang="tr-TR" sz="3300" kern="1200" dirty="0"/>
-        </a:p>
-      </dsp:txBody>
-      <dsp:txXfrm>
-        <a:off x="4629" y="3186209"/>
-        <a:ext cx="1931115" cy="965557"/>
-      </dsp:txXfrm>
-    </dsp:sp>
-    <dsp:sp modelId="{0C7085EE-F878-4D18-BC5F-4509530454A6}">
-      <dsp:nvSpPr>
-        <dsp:cNvPr id="0" name=""/>
-        <dsp:cNvSpPr/>
-      </dsp:nvSpPr>
-      <dsp:spPr>
-        <a:xfrm>
-          <a:off x="2341279" y="3186209"/>
-          <a:ext cx="1931115" cy="965557"/>
-        </a:xfrm>
-        <a:prstGeom prst="rect">
-          <a:avLst/>
-        </a:prstGeom>
-        <a:solidFill>
-          <a:schemeClr val="accent1">
-            <a:hueOff val="0"/>
-            <a:satOff val="0"/>
-            <a:lumOff val="0"/>
-            <a:alphaOff val="0"/>
-          </a:schemeClr>
-        </a:solidFill>
-        <a:ln w="12700" cap="flat" cmpd="sng" algn="ctr">
-          <a:solidFill>
-            <a:schemeClr val="lt1">
-              <a:hueOff val="0"/>
-              <a:satOff val="0"/>
-              <a:lumOff val="0"/>
-              <a:alphaOff val="0"/>
-            </a:schemeClr>
-          </a:solidFill>
-          <a:prstDash val="solid"/>
-        </a:ln>
-        <a:effectLst/>
-      </dsp:spPr>
-      <dsp:style>
-        <a:lnRef idx="2">
-          <a:scrgbClr r="0" g="0" b="0"/>
-        </a:lnRef>
-        <a:fillRef idx="1">
-          <a:scrgbClr r="0" g="0" b="0"/>
-        </a:fillRef>
-        <a:effectRef idx="0">
-          <a:scrgbClr r="0" g="0" b="0"/>
-        </a:effectRef>
-        <a:fontRef idx="minor">
-          <a:schemeClr val="lt1"/>
-        </a:fontRef>
-      </dsp:style>
-      <dsp:txBody>
-        <a:bodyPr spcFirstLastPara="0" vert="horz" wrap="square" lIns="20955" tIns="20955" rIns="20955" bIns="20955" numCol="1" spcCol="1270" anchor="ctr" anchorCtr="0">
-          <a:noAutofit/>
-        </a:bodyPr>
-        <a:lstStyle/>
-        <a:p>
-          <a:pPr lvl="0" algn="ctr" defTabSz="1466850">
-            <a:lnSpc>
-              <a:spcPct val="90000"/>
-            </a:lnSpc>
-            <a:spcBef>
-              <a:spcPct val="0"/>
-            </a:spcBef>
-            <a:spcAft>
-              <a:spcPct val="35000"/>
-            </a:spcAft>
-          </a:pPr>
-          <a:r>
-            <a:rPr lang="tr-TR" sz="3300" kern="1200" dirty="0" smtClean="0"/>
-            <a:t>Message-Panel</a:t>
-          </a:r>
-          <a:endParaRPr lang="tr-TR" sz="3300" kern="1200" dirty="0"/>
-        </a:p>
-      </dsp:txBody>
-      <dsp:txXfrm>
-        <a:off x="2341279" y="3186209"/>
-        <a:ext cx="1931115" cy="965557"/>
-      </dsp:txXfrm>
-    </dsp:sp>
-    <dsp:sp modelId="{6D7A348C-4CEB-43F3-A199-4592693BDD52}">
-      <dsp:nvSpPr>
-        <dsp:cNvPr id="0" name=""/>
-        <dsp:cNvSpPr/>
-      </dsp:nvSpPr>
-      <dsp:spPr>
-        <a:xfrm>
-          <a:off x="4677930" y="3186209"/>
-          <a:ext cx="1931115" cy="965557"/>
-        </a:xfrm>
-        <a:prstGeom prst="rect">
-          <a:avLst/>
-        </a:prstGeom>
-        <a:solidFill>
-          <a:schemeClr val="accent1">
-            <a:hueOff val="0"/>
-            <a:satOff val="0"/>
-            <a:lumOff val="0"/>
-            <a:alphaOff val="0"/>
-          </a:schemeClr>
-        </a:solidFill>
-        <a:ln w="12700" cap="flat" cmpd="sng" algn="ctr">
-          <a:solidFill>
-            <a:schemeClr val="lt1">
-              <a:hueOff val="0"/>
-              <a:satOff val="0"/>
-              <a:lumOff val="0"/>
-              <a:alphaOff val="0"/>
-            </a:schemeClr>
-          </a:solidFill>
-          <a:prstDash val="solid"/>
-        </a:ln>
-        <a:effectLst/>
-      </dsp:spPr>
-      <dsp:style>
-        <a:lnRef idx="2">
-          <a:scrgbClr r="0" g="0" b="0"/>
-        </a:lnRef>
-        <a:fillRef idx="1">
-          <a:scrgbClr r="0" g="0" b="0"/>
-        </a:fillRef>
-        <a:effectRef idx="0">
-          <a:scrgbClr r="0" g="0" b="0"/>
-        </a:effectRef>
-        <a:fontRef idx="minor">
-          <a:schemeClr val="lt1"/>
-        </a:fontRef>
-      </dsp:style>
-      <dsp:txBody>
-        <a:bodyPr spcFirstLastPara="0" vert="horz" wrap="square" lIns="20955" tIns="20955" rIns="20955" bIns="20955" numCol="1" spcCol="1270" anchor="ctr" anchorCtr="0">
-          <a:noAutofit/>
-        </a:bodyPr>
-        <a:lstStyle/>
-        <a:p>
-          <a:pPr lvl="0" algn="ctr" defTabSz="1466850">
-            <a:lnSpc>
-              <a:spcPct val="90000"/>
-            </a:lnSpc>
-            <a:spcBef>
-              <a:spcPct val="0"/>
-            </a:spcBef>
-            <a:spcAft>
-              <a:spcPct val="35000"/>
-            </a:spcAft>
-          </a:pPr>
-          <a:r>
-            <a:rPr lang="tr-TR" sz="3300" kern="1200" dirty="0" err="1" smtClean="0"/>
-            <a:t>Users</a:t>
-          </a:r>
-          <a:r>
-            <a:rPr lang="tr-TR" sz="3300" kern="1200" dirty="0" smtClean="0"/>
-            <a:t>-Panel</a:t>
-          </a:r>
-          <a:endParaRPr lang="tr-TR" sz="3300" kern="1200" dirty="0"/>
-        </a:p>
-      </dsp:txBody>
-      <dsp:txXfrm>
-        <a:off x="4677930" y="3186209"/>
-        <a:ext cx="1931115" cy="965557"/>
-      </dsp:txXfrm>
-    </dsp:sp>
-    <dsp:sp modelId="{2782E0E1-1556-47B0-8B6F-1824DDF36EE8}">
-      <dsp:nvSpPr>
-        <dsp:cNvPr id="0" name=""/>
-        <dsp:cNvSpPr/>
-      </dsp:nvSpPr>
-      <dsp:spPr>
-        <a:xfrm>
-          <a:off x="7014580" y="3186209"/>
-          <a:ext cx="1931115" cy="965557"/>
-        </a:xfrm>
-        <a:prstGeom prst="rect">
-          <a:avLst/>
-        </a:prstGeom>
-        <a:solidFill>
-          <a:schemeClr val="accent1">
-            <a:hueOff val="0"/>
-            <a:satOff val="0"/>
-            <a:lumOff val="0"/>
-            <a:alphaOff val="0"/>
-          </a:schemeClr>
-        </a:solidFill>
-        <a:ln w="12700" cap="flat" cmpd="sng" algn="ctr">
-          <a:solidFill>
-            <a:schemeClr val="lt1">
-              <a:hueOff val="0"/>
-              <a:satOff val="0"/>
-              <a:lumOff val="0"/>
-              <a:alphaOff val="0"/>
-            </a:schemeClr>
-          </a:solidFill>
-          <a:prstDash val="solid"/>
-        </a:ln>
-        <a:effectLst/>
-      </dsp:spPr>
-      <dsp:style>
-        <a:lnRef idx="2">
-          <a:scrgbClr r="0" g="0" b="0"/>
-        </a:lnRef>
-        <a:fillRef idx="1">
-          <a:scrgbClr r="0" g="0" b="0"/>
-        </a:fillRef>
-        <a:effectRef idx="0">
-          <a:scrgbClr r="0" g="0" b="0"/>
-        </a:effectRef>
-        <a:fontRef idx="minor">
-          <a:schemeClr val="lt1"/>
-        </a:fontRef>
-      </dsp:style>
-      <dsp:txBody>
-        <a:bodyPr spcFirstLastPara="0" vert="horz" wrap="square" lIns="20955" tIns="20955" rIns="20955" bIns="20955" numCol="1" spcCol="1270" anchor="ctr" anchorCtr="0">
-          <a:noAutofit/>
-        </a:bodyPr>
-        <a:lstStyle/>
-        <a:p>
-          <a:pPr lvl="0" algn="ctr" defTabSz="1466850">
-            <a:lnSpc>
-              <a:spcPct val="90000"/>
-            </a:lnSpc>
-            <a:spcBef>
-              <a:spcPct val="0"/>
-            </a:spcBef>
-            <a:spcAft>
-              <a:spcPct val="35000"/>
-            </a:spcAft>
-          </a:pPr>
-          <a:r>
-            <a:rPr lang="tr-TR" sz="3300" kern="1200" dirty="0" err="1" smtClean="0"/>
-            <a:t>Shared</a:t>
-          </a:r>
-          <a:endParaRPr lang="tr-TR" sz="3300" kern="1200" dirty="0"/>
-        </a:p>
-      </dsp:txBody>
-      <dsp:txXfrm>
-        <a:off x="7014580" y="3186209"/>
-        <a:ext cx="1931115" cy="965557"/>
-      </dsp:txXfrm>
-    </dsp:sp>
   </dsp:spTree>
 </dsp:drawing>
 </file>
@@ -11819,10 +11186,14 @@
             </a:r>
             <a:r>
               <a:rPr lang="tr-TR" dirty="0"/>
-              <a:t>: [</a:t>
-            </a:r>
-            <a:r>
-              <a:rPr lang="tr-TR" dirty="0" err="1"/>
+              <a:t>: </a:t>
+            </a:r>
+            <a:r>
+              <a:rPr lang="tr-TR" dirty="0" smtClean="0"/>
+              <a:t>[@</a:t>
+            </a:r>
+            <a:r>
+              <a:rPr lang="tr-TR" dirty="0" err="1" smtClean="0"/>
               <a:t>NgModule</a:t>
             </a:r>
             <a:r>
@@ -11924,12 +11295,12 @@
               <a:t>exports</a:t>
             </a:r>
             <a:r>
-              <a:rPr lang="tr-TR" dirty="0"/>
-              <a:t>: [</a:t>
-            </a:r>
-            <a:r>
-              <a:rPr lang="tr-TR" dirty="0" err="1"/>
-              <a:t>NgModule</a:t>
+              <a:rPr lang="tr-TR"/>
+              <a:t>: </a:t>
+            </a:r>
+            <a:r>
+              <a:rPr lang="tr-TR" smtClean="0"/>
+              <a:t>[@NgModule</a:t>
             </a:r>
             <a:r>
               <a:rPr lang="tr-TR" dirty="0"/>
@@ -12131,92 +11502,6 @@
                                   </p:childTnLst>
                                 </p:cTn>
                               </p:par>
-                              <p:par>
-                                <p:cTn id="8" presetID="10" presetClass="entr" presetSubtype="0" fill="hold" grpId="0" nodeType="withEffect">
-                                  <p:stCondLst>
-                                    <p:cond delay="0"/>
-                                  </p:stCondLst>
-                                  <p:childTnLst>
-                                    <p:set>
-                                      <p:cBhvr>
-                                        <p:cTn id="9" dur="1" fill="hold">
-                                          <p:stCondLst>
-                                            <p:cond delay="0"/>
-                                          </p:stCondLst>
-                                        </p:cTn>
-                                        <p:tgtEl>
-                                          <p:spTgt spid="3">
-                                            <p:txEl>
-                                              <p:pRg st="9" end="9"/>
-                                            </p:txEl>
-                                          </p:spTgt>
-                                        </p:tgtEl>
-                                        <p:attrNameLst>
-                                          <p:attrName>style.visibility</p:attrName>
-                                        </p:attrNameLst>
-                                      </p:cBhvr>
-                                      <p:to>
-                                        <p:strVal val="visible"/>
-                                      </p:to>
-                                    </p:set>
-                                    <p:animEffect transition="in" filter="fade">
-                                      <p:cBhvr>
-                                        <p:cTn id="10" dur="500"/>
-                                        <p:tgtEl>
-                                          <p:spTgt spid="3">
-                                            <p:txEl>
-                                              <p:pRg st="9" end="9"/>
-                                            </p:txEl>
-                                          </p:spTgt>
-                                        </p:tgtEl>
-                                      </p:cBhvr>
-                                    </p:animEffect>
-                                  </p:childTnLst>
-                                </p:cTn>
-                              </p:par>
-                              <p:par>
-                                <p:cTn id="11" presetID="10" presetClass="entr" presetSubtype="0" fill="hold" grpId="0" nodeType="withEffect">
-                                  <p:stCondLst>
-                                    <p:cond delay="0"/>
-                                  </p:stCondLst>
-                                  <p:childTnLst>
-                                    <p:set>
-                                      <p:cBhvr>
-                                        <p:cTn id="12" dur="1" fill="hold">
-                                          <p:stCondLst>
-                                            <p:cond delay="0"/>
-                                          </p:stCondLst>
-                                        </p:cTn>
-                                        <p:tgtEl>
-                                          <p:spTgt spid="3">
-                                            <p:txEl>
-                                              <p:pRg st="10" end="10"/>
-                                            </p:txEl>
-                                          </p:spTgt>
-                                        </p:tgtEl>
-                                        <p:attrNameLst>
-                                          <p:attrName>style.visibility</p:attrName>
-                                        </p:attrNameLst>
-                                      </p:cBhvr>
-                                      <p:to>
-                                        <p:strVal val="visible"/>
-                                      </p:to>
-                                    </p:set>
-                                    <p:animEffect transition="in" filter="fade">
-                                      <p:cBhvr>
-                                        <p:cTn id="13" dur="500"/>
-                                        <p:tgtEl>
-                                          <p:spTgt spid="3">
-                                            <p:txEl>
-                                              <p:pRg st="10" end="10"/>
-                                            </p:txEl>
-                                          </p:spTgt>
-                                        </p:tgtEl>
-                                      </p:cBhvr>
-                                    </p:animEffect>
-                                  </p:childTnLst>
-                                </p:cTn>
-                              </p:par>
                             </p:childTnLst>
                           </p:cTn>
                         </p:par>
@@ -12224,26 +11509,26 @@
                     </p:cTn>
                   </p:par>
                   <p:par>
-                    <p:cTn id="14" fill="hold">
+                    <p:cTn id="8" fill="hold">
                       <p:stCondLst>
                         <p:cond delay="indefinite"/>
                       </p:stCondLst>
                       <p:childTnLst>
                         <p:par>
-                          <p:cTn id="15" fill="hold">
+                          <p:cTn id="9" fill="hold">
                             <p:stCondLst>
                               <p:cond delay="0"/>
                             </p:stCondLst>
                             <p:childTnLst>
                               <p:par>
-                                <p:cTn id="16" presetID="10" presetClass="entr" presetSubtype="0" fill="hold" grpId="0" nodeType="clickEffect">
+                                <p:cTn id="10" presetID="10" presetClass="entr" presetSubtype="0" fill="hold" grpId="0" nodeType="clickEffect">
                                   <p:stCondLst>
                                     <p:cond delay="0"/>
                                   </p:stCondLst>
                                   <p:childTnLst>
                                     <p:set>
                                       <p:cBhvr>
-                                        <p:cTn id="17" dur="1" fill="hold">
+                                        <p:cTn id="11" dur="1" fill="hold">
                                           <p:stCondLst>
                                             <p:cond delay="0"/>
                                           </p:stCondLst>
@@ -12265,7 +11550,7 @@
                                     </p:set>
                                     <p:animEffect transition="in" filter="fade">
                                       <p:cBhvr>
-                                        <p:cTn id="18" dur="500"/>
+                                        <p:cTn id="12" dur="500"/>
                                         <p:tgtEl>
                                           <p:spTgt spid="3">
                                             <p:txEl>
@@ -12285,26 +11570,26 @@
                     </p:cTn>
                   </p:par>
                   <p:par>
-                    <p:cTn id="19" fill="hold">
+                    <p:cTn id="13" fill="hold">
                       <p:stCondLst>
                         <p:cond delay="indefinite"/>
                       </p:stCondLst>
                       <p:childTnLst>
                         <p:par>
-                          <p:cTn id="20" fill="hold">
+                          <p:cTn id="14" fill="hold">
                             <p:stCondLst>
                               <p:cond delay="0"/>
                             </p:stCondLst>
                             <p:childTnLst>
                               <p:par>
-                                <p:cTn id="21" presetID="10" presetClass="entr" presetSubtype="0" fill="hold" grpId="0" nodeType="clickEffect">
+                                <p:cTn id="15" presetID="10" presetClass="entr" presetSubtype="0" fill="hold" grpId="0" nodeType="clickEffect">
                                   <p:stCondLst>
                                     <p:cond delay="0"/>
                                   </p:stCondLst>
                                   <p:childTnLst>
                                     <p:set>
                                       <p:cBhvr>
-                                        <p:cTn id="22" dur="1" fill="hold">
+                                        <p:cTn id="16" dur="1" fill="hold">
                                           <p:stCondLst>
                                             <p:cond delay="0"/>
                                           </p:stCondLst>
@@ -12326,7 +11611,7 @@
                                     </p:set>
                                     <p:animEffect transition="in" filter="fade">
                                       <p:cBhvr>
-                                        <p:cTn id="23" dur="500"/>
+                                        <p:cTn id="17" dur="500"/>
                                         <p:tgtEl>
                                           <p:spTgt spid="3">
                                             <p:txEl>
@@ -12339,15 +11624,162 @@
                                   </p:childTnLst>
                                 </p:cTn>
                               </p:par>
+                            </p:childTnLst>
+                          </p:cTn>
+                        </p:par>
+                      </p:childTnLst>
+                    </p:cTn>
+                  </p:par>
+                  <p:par>
+                    <p:cTn id="18" fill="hold">
+                      <p:stCondLst>
+                        <p:cond delay="indefinite"/>
+                      </p:stCondLst>
+                      <p:childTnLst>
+                        <p:par>
+                          <p:cTn id="19" fill="hold">
+                            <p:stCondLst>
+                              <p:cond delay="0"/>
+                            </p:stCondLst>
+                            <p:childTnLst>
                               <p:par>
-                                <p:cTn id="24" presetID="10" presetClass="entr" presetSubtype="0" fill="hold" grpId="0" nodeType="withEffect">
+                                <p:cTn id="20" presetID="10" presetClass="entr" presetSubtype="0" fill="hold" grpId="0" nodeType="clickEffect">
                                   <p:stCondLst>
                                     <p:cond delay="0"/>
                                   </p:stCondLst>
                                   <p:childTnLst>
                                     <p:set>
                                       <p:cBhvr>
-                                        <p:cTn id="25" dur="1" fill="hold">
+                                        <p:cTn id="21" dur="1" fill="hold">
+                                          <p:stCondLst>
+                                            <p:cond delay="0"/>
+                                          </p:stCondLst>
+                                        </p:cTn>
+                                        <p:tgtEl>
+                                          <p:spTgt spid="3">
+                                            <p:txEl>
+                                              <p:pRg st="3" end="3"/>
+                                            </p:txEl>
+                                          </p:spTgt>
+                                        </p:tgtEl>
+                                        <p:attrNameLst>
+                                          <p:attrName>style.visibility</p:attrName>
+                                        </p:attrNameLst>
+                                      </p:cBhvr>
+                                      <p:to>
+                                        <p:strVal val="visible"/>
+                                      </p:to>
+                                    </p:set>
+                                    <p:animEffect transition="in" filter="fade">
+                                      <p:cBhvr>
+                                        <p:cTn id="22" dur="500"/>
+                                        <p:tgtEl>
+                                          <p:spTgt spid="3">
+                                            <p:txEl>
+                                              <p:pRg st="3" end="3"/>
+                                            </p:txEl>
+                                          </p:spTgt>
+                                        </p:tgtEl>
+                                      </p:cBhvr>
+                                    </p:animEffect>
+                                  </p:childTnLst>
+                                </p:cTn>
+                              </p:par>
+                              <p:par>
+                                <p:cTn id="23" presetID="10" presetClass="entr" presetSubtype="0" fill="hold" grpId="0" nodeType="withEffect">
+                                  <p:stCondLst>
+                                    <p:cond delay="0"/>
+                                  </p:stCondLst>
+                                  <p:childTnLst>
+                                    <p:set>
+                                      <p:cBhvr>
+                                        <p:cTn id="24" dur="1" fill="hold">
+                                          <p:stCondLst>
+                                            <p:cond delay="0"/>
+                                          </p:stCondLst>
+                                        </p:cTn>
+                                        <p:tgtEl>
+                                          <p:spTgt spid="3">
+                                            <p:txEl>
+                                              <p:pRg st="4" end="4"/>
+                                            </p:txEl>
+                                          </p:spTgt>
+                                        </p:tgtEl>
+                                        <p:attrNameLst>
+                                          <p:attrName>style.visibility</p:attrName>
+                                        </p:attrNameLst>
+                                      </p:cBhvr>
+                                      <p:to>
+                                        <p:strVal val="visible"/>
+                                      </p:to>
+                                    </p:set>
+                                    <p:animEffect transition="in" filter="fade">
+                                      <p:cBhvr>
+                                        <p:cTn id="25" dur="500"/>
+                                        <p:tgtEl>
+                                          <p:spTgt spid="3">
+                                            <p:txEl>
+                                              <p:pRg st="4" end="4"/>
+                                            </p:txEl>
+                                          </p:spTgt>
+                                        </p:tgtEl>
+                                      </p:cBhvr>
+                                    </p:animEffect>
+                                  </p:childTnLst>
+                                </p:cTn>
+                              </p:par>
+                              <p:par>
+                                <p:cTn id="26" presetID="10" presetClass="entr" presetSubtype="0" fill="hold" grpId="0" nodeType="withEffect">
+                                  <p:stCondLst>
+                                    <p:cond delay="0"/>
+                                  </p:stCondLst>
+                                  <p:childTnLst>
+                                    <p:set>
+                                      <p:cBhvr>
+                                        <p:cTn id="27" dur="1" fill="hold">
+                                          <p:stCondLst>
+                                            <p:cond delay="0"/>
+                                          </p:stCondLst>
+                                        </p:cTn>
+                                        <p:tgtEl>
+                                          <p:spTgt spid="3">
+                                            <p:txEl>
+                                              <p:pRg st="5" end="5"/>
+                                            </p:txEl>
+                                          </p:spTgt>
+                                        </p:tgtEl>
+                                        <p:attrNameLst>
+                                          <p:attrName>style.visibility</p:attrName>
+                                        </p:attrNameLst>
+                                      </p:cBhvr>
+                                      <p:to>
+                                        <p:strVal val="visible"/>
+                                      </p:to>
+                                    </p:set>
+                                    <p:animEffect transition="in" filter="fade">
+                                      <p:cBhvr>
+                                        <p:cTn id="28" dur="500"/>
+                                        <p:tgtEl>
+                                          <p:spTgt spid="3">
+                                            <p:txEl>
+                                              <p:pRg st="5" end="5"/>
+                                            </p:txEl>
+                                          </p:spTgt>
+                                        </p:tgtEl>
+                                      </p:cBhvr>
+                                    </p:animEffect>
+                                  </p:childTnLst>
+                                </p:cTn>
+                              </p:par>
+                              <p:par>
+                                <p:cTn id="29" presetID="10" presetClass="entr" presetSubtype="0" fill="hold" grpId="0" nodeType="withEffect">
+                                  <p:stCondLst>
+                                    <p:cond delay="0"/>
+                                  </p:stCondLst>
+                                  <p:childTnLst>
+                                    <p:set>
+                                      <p:cBhvr>
+                                        <p:cTn id="30" dur="1" fill="hold">
                                           <p:stCondLst>
                                             <p:cond delay="0"/>
                                           </p:stCondLst>
@@ -12369,72 +11801,11 @@
                                     </p:set>
                                     <p:animEffect transition="in" filter="fade">
                                       <p:cBhvr>
-                                        <p:cTn id="26" dur="500"/>
+                                        <p:cTn id="31" dur="500"/>
                                         <p:tgtEl>
                                           <p:spTgt spid="3">
                                             <p:txEl>
                                               <p:pRg st="6" end="6"/>
-                                            </p:txEl>
-                                          </p:spTgt>
-                                        </p:tgtEl>
-                                      </p:cBhvr>
-                                    </p:animEffect>
-                                  </p:childTnLst>
-                                </p:cTn>
-                              </p:par>
-                            </p:childTnLst>
-                          </p:cTn>
-                        </p:par>
-                      </p:childTnLst>
-                    </p:cTn>
-                  </p:par>
-                  <p:par>
-                    <p:cTn id="27" fill="hold">
-                      <p:stCondLst>
-                        <p:cond delay="indefinite"/>
-                      </p:stCondLst>
-                      <p:childTnLst>
-                        <p:par>
-                          <p:cTn id="28" fill="hold">
-                            <p:stCondLst>
-                              <p:cond delay="0"/>
-                            </p:stCondLst>
-                            <p:childTnLst>
-                              <p:par>
-                                <p:cTn id="29" presetID="10" presetClass="entr" presetSubtype="0" fill="hold" grpId="0" nodeType="clickEffect">
-                                  <p:stCondLst>
-                                    <p:cond delay="0"/>
-                                  </p:stCondLst>
-                                  <p:childTnLst>
-                                    <p:set>
-                                      <p:cBhvr>
-                                        <p:cTn id="30" dur="1" fill="hold">
-                                          <p:stCondLst>
-                                            <p:cond delay="0"/>
-                                          </p:stCondLst>
-                                        </p:cTn>
-                                        <p:tgtEl>
-                                          <p:spTgt spid="3">
-                                            <p:txEl>
-                                              <p:pRg st="3" end="3"/>
-                                            </p:txEl>
-                                          </p:spTgt>
-                                        </p:tgtEl>
-                                        <p:attrNameLst>
-                                          <p:attrName>style.visibility</p:attrName>
-                                        </p:attrNameLst>
-                                      </p:cBhvr>
-                                      <p:to>
-                                        <p:strVal val="visible"/>
-                                      </p:to>
-                                    </p:set>
-                                    <p:animEffect transition="in" filter="fade">
-                                      <p:cBhvr>
-                                        <p:cTn id="31" dur="500"/>
-                                        <p:tgtEl>
-                                          <p:spTgt spid="3">
-                                            <p:txEl>
-                                              <p:pRg st="3" end="3"/>
                                             </p:txEl>
                                           </p:spTgt>
                                         </p:tgtEl>
@@ -12582,7 +11953,7 @@
                                         <p:tgtEl>
                                           <p:spTgt spid="3">
                                             <p:txEl>
-                                              <p:pRg st="4" end="4"/>
+                                              <p:pRg st="7" end="7"/>
                                             </p:txEl>
                                           </p:spTgt>
                                         </p:tgtEl>
@@ -12600,7 +11971,7 @@
                                         <p:tgtEl>
                                           <p:spTgt spid="3">
                                             <p:txEl>
-                                              <p:pRg st="4" end="4"/>
+                                              <p:pRg st="7" end="7"/>
                                             </p:txEl>
                                           </p:spTgt>
                                         </p:tgtEl>
@@ -12697,49 +12068,6 @@
                                   </p:childTnLst>
                                 </p:cTn>
                               </p:par>
-                              <p:par>
-                                <p:cTn id="54" presetID="10" presetClass="entr" presetSubtype="0" fill="hold" grpId="0" nodeType="withEffect">
-                                  <p:stCondLst>
-                                    <p:cond delay="0"/>
-                                  </p:stCondLst>
-                                  <p:childTnLst>
-                                    <p:set>
-                                      <p:cBhvr>
-                                        <p:cTn id="55" dur="1" fill="hold">
-                                          <p:stCondLst>
-                                            <p:cond delay="0"/>
-                                          </p:stCondLst>
-                                        </p:cTn>
-                                        <p:tgtEl>
-                                          <p:spTgt spid="3">
-                                            <p:txEl>
-                                              <p:pRg st="5" end="5"/>
-                                            </p:txEl>
-                                          </p:spTgt>
-                                        </p:tgtEl>
-                                        <p:attrNameLst>
-                                          <p:attrName>style.visibility</p:attrName>
-                                        </p:attrNameLst>
-                                      </p:cBhvr>
-                                      <p:to>
-                                        <p:strVal val="visible"/>
-                                      </p:to>
-                                    </p:set>
-                                    <p:animEffect transition="in" filter="fade">
-                                      <p:cBhvr>
-                                        <p:cTn id="56" dur="500"/>
-                                        <p:tgtEl>
-                                          <p:spTgt spid="3">
-                                            <p:txEl>
-                                              <p:pRg st="5" end="5"/>
-                                            </p:txEl>
-                                          </p:spTgt>
-                                        </p:tgtEl>
-                                      </p:cBhvr>
-                                    </p:animEffect>
-                                  </p:childTnLst>
-                                </p:cTn>
-                              </p:par>
                             </p:childTnLst>
                           </p:cTn>
                         </p:par>
@@ -12747,122 +12075,26 @@
                     </p:cTn>
                   </p:par>
                   <p:par>
-                    <p:cTn id="57" fill="hold">
+                    <p:cTn id="54" fill="hold">
                       <p:stCondLst>
                         <p:cond delay="indefinite"/>
                       </p:stCondLst>
                       <p:childTnLst>
                         <p:par>
-                          <p:cTn id="58" fill="hold">
+                          <p:cTn id="55" fill="hold">
                             <p:stCondLst>
                               <p:cond delay="0"/>
                             </p:stCondLst>
                             <p:childTnLst>
                               <p:par>
-                                <p:cTn id="59" presetID="10" presetClass="exit" presetSubtype="0" fill="hold" nodeType="clickEffect">
-                                  <p:stCondLst>
-                                    <p:cond delay="0"/>
-                                  </p:stCondLst>
-                                  <p:childTnLst>
-                                    <p:animEffect transition="out" filter="fade">
-                                      <p:cBhvr>
-                                        <p:cTn id="60" dur="500"/>
-                                        <p:tgtEl>
-                                          <p:spTgt spid="7"/>
-                                        </p:tgtEl>
-                                      </p:cBhvr>
-                                    </p:animEffect>
-                                    <p:set>
-                                      <p:cBhvr>
-                                        <p:cTn id="61" dur="1" fill="hold">
-                                          <p:stCondLst>
-                                            <p:cond delay="499"/>
-                                          </p:stCondLst>
-                                        </p:cTn>
-                                        <p:tgtEl>
-                                          <p:spTgt spid="7"/>
-                                        </p:tgtEl>
-                                        <p:attrNameLst>
-                                          <p:attrName>style.visibility</p:attrName>
-                                        </p:attrNameLst>
-                                      </p:cBhvr>
-                                      <p:to>
-                                        <p:strVal val="hidden"/>
-                                      </p:to>
-                                    </p:set>
-                                  </p:childTnLst>
-                                </p:cTn>
-                              </p:par>
-                              <p:par>
-                                <p:cTn id="62" presetID="10" presetClass="entr" presetSubtype="0" fill="hold" grpId="0" nodeType="withEffect">
+                                <p:cTn id="56" presetID="10" presetClass="entr" presetSubtype="0" fill="hold" grpId="0" nodeType="clickEffect">
                                   <p:stCondLst>
                                     <p:cond delay="0"/>
                                   </p:stCondLst>
                                   <p:childTnLst>
                                     <p:set>
                                       <p:cBhvr>
-                                        <p:cTn id="63" dur="1" fill="hold">
-                                          <p:stCondLst>
-                                            <p:cond delay="0"/>
-                                          </p:stCondLst>
-                                        </p:cTn>
-                                        <p:tgtEl>
-                                          <p:spTgt spid="3">
-                                            <p:txEl>
-                                              <p:pRg st="7" end="7"/>
-                                            </p:txEl>
-                                          </p:spTgt>
-                                        </p:tgtEl>
-                                        <p:attrNameLst>
-                                          <p:attrName>style.visibility</p:attrName>
-                                        </p:attrNameLst>
-                                      </p:cBhvr>
-                                      <p:to>
-                                        <p:strVal val="visible"/>
-                                      </p:to>
-                                    </p:set>
-                                    <p:animEffect transition="in" filter="fade">
-                                      <p:cBhvr>
-                                        <p:cTn id="64" dur="500"/>
-                                        <p:tgtEl>
-                                          <p:spTgt spid="3">
-                                            <p:txEl>
-                                              <p:pRg st="7" end="7"/>
-                                            </p:txEl>
-                                          </p:spTgt>
-                                        </p:tgtEl>
-                                      </p:cBhvr>
-                                    </p:animEffect>
-                                  </p:childTnLst>
-                                </p:cTn>
-                              </p:par>
-                            </p:childTnLst>
-                          </p:cTn>
-                        </p:par>
-                      </p:childTnLst>
-                    </p:cTn>
-                  </p:par>
-                  <p:par>
-                    <p:cTn id="65" fill="hold">
-                      <p:stCondLst>
-                        <p:cond delay="indefinite"/>
-                      </p:stCondLst>
-                      <p:childTnLst>
-                        <p:par>
-                          <p:cTn id="66" fill="hold">
-                            <p:stCondLst>
-                              <p:cond delay="0"/>
-                            </p:stCondLst>
-                            <p:childTnLst>
-                              <p:par>
-                                <p:cTn id="67" presetID="10" presetClass="entr" presetSubtype="0" fill="hold" grpId="0" nodeType="clickEffect">
-                                  <p:stCondLst>
-                                    <p:cond delay="0"/>
-                                  </p:stCondLst>
-                                  <p:childTnLst>
-                                    <p:set>
-                                      <p:cBhvr>
-                                        <p:cTn id="68" dur="1" fill="hold">
+                                        <p:cTn id="57" dur="1" fill="hold">
                                           <p:stCondLst>
                                             <p:cond delay="0"/>
                                           </p:stCondLst>
@@ -12884,11 +12116,150 @@
                                     </p:set>
                                     <p:animEffect transition="in" filter="fade">
                                       <p:cBhvr>
+                                        <p:cTn id="58" dur="500"/>
+                                        <p:tgtEl>
+                                          <p:spTgt spid="3">
+                                            <p:txEl>
+                                              <p:pRg st="8" end="8"/>
+                                            </p:txEl>
+                                          </p:spTgt>
+                                        </p:tgtEl>
+                                      </p:cBhvr>
+                                    </p:animEffect>
+                                  </p:childTnLst>
+                                </p:cTn>
+                              </p:par>
+                            </p:childTnLst>
+                          </p:cTn>
+                        </p:par>
+                      </p:childTnLst>
+                    </p:cTn>
+                  </p:par>
+                  <p:par>
+                    <p:cTn id="59" fill="hold">
+                      <p:stCondLst>
+                        <p:cond delay="indefinite"/>
+                      </p:stCondLst>
+                      <p:childTnLst>
+                        <p:par>
+                          <p:cTn id="60" fill="hold">
+                            <p:stCondLst>
+                              <p:cond delay="0"/>
+                            </p:stCondLst>
+                            <p:childTnLst>
+                              <p:par>
+                                <p:cTn id="61" presetID="10" presetClass="exit" presetSubtype="0" fill="hold" nodeType="clickEffect">
+                                  <p:stCondLst>
+                                    <p:cond delay="0"/>
+                                  </p:stCondLst>
+                                  <p:childTnLst>
+                                    <p:animEffect transition="out" filter="fade">
+                                      <p:cBhvr>
+                                        <p:cTn id="62" dur="500"/>
+                                        <p:tgtEl>
+                                          <p:spTgt spid="7"/>
+                                        </p:tgtEl>
+                                      </p:cBhvr>
+                                    </p:animEffect>
+                                    <p:set>
+                                      <p:cBhvr>
+                                        <p:cTn id="63" dur="1" fill="hold">
+                                          <p:stCondLst>
+                                            <p:cond delay="499"/>
+                                          </p:stCondLst>
+                                        </p:cTn>
+                                        <p:tgtEl>
+                                          <p:spTgt spid="7"/>
+                                        </p:tgtEl>
+                                        <p:attrNameLst>
+                                          <p:attrName>style.visibility</p:attrName>
+                                        </p:attrNameLst>
+                                      </p:cBhvr>
+                                      <p:to>
+                                        <p:strVal val="hidden"/>
+                                      </p:to>
+                                    </p:set>
+                                  </p:childTnLst>
+                                </p:cTn>
+                              </p:par>
+                              <p:par>
+                                <p:cTn id="64" presetID="10" presetClass="entr" presetSubtype="0" fill="hold" grpId="0" nodeType="withEffect">
+                                  <p:stCondLst>
+                                    <p:cond delay="0"/>
+                                  </p:stCondLst>
+                                  <p:childTnLst>
+                                    <p:set>
+                                      <p:cBhvr>
+                                        <p:cTn id="65" dur="1" fill="hold">
+                                          <p:stCondLst>
+                                            <p:cond delay="0"/>
+                                          </p:stCondLst>
+                                        </p:cTn>
+                                        <p:tgtEl>
+                                          <p:spTgt spid="3">
+                                            <p:txEl>
+                                              <p:pRg st="9" end="9"/>
+                                            </p:txEl>
+                                          </p:spTgt>
+                                        </p:tgtEl>
+                                        <p:attrNameLst>
+                                          <p:attrName>style.visibility</p:attrName>
+                                        </p:attrNameLst>
+                                      </p:cBhvr>
+                                      <p:to>
+                                        <p:strVal val="visible"/>
+                                      </p:to>
+                                    </p:set>
+                                    <p:animEffect transition="in" filter="fade">
+                                      <p:cBhvr>
+                                        <p:cTn id="66" dur="500"/>
+                                        <p:tgtEl>
+                                          <p:spTgt spid="3">
+                                            <p:txEl>
+                                              <p:pRg st="9" end="9"/>
+                                            </p:txEl>
+                                          </p:spTgt>
+                                        </p:tgtEl>
+                                      </p:cBhvr>
+                                    </p:animEffect>
+                                  </p:childTnLst>
+                                </p:cTn>
+                              </p:par>
+                              <p:par>
+                                <p:cTn id="67" presetID="10" presetClass="entr" presetSubtype="0" fill="hold" grpId="0" nodeType="withEffect">
+                                  <p:stCondLst>
+                                    <p:cond delay="0"/>
+                                  </p:stCondLst>
+                                  <p:childTnLst>
+                                    <p:set>
+                                      <p:cBhvr>
+                                        <p:cTn id="68" dur="1" fill="hold">
+                                          <p:stCondLst>
+                                            <p:cond delay="0"/>
+                                          </p:stCondLst>
+                                        </p:cTn>
+                                        <p:tgtEl>
+                                          <p:spTgt spid="3">
+                                            <p:txEl>
+                                              <p:pRg st="10" end="10"/>
+                                            </p:txEl>
+                                          </p:spTgt>
+                                        </p:tgtEl>
+                                        <p:attrNameLst>
+                                          <p:attrName>style.visibility</p:attrName>
+                                        </p:attrNameLst>
+                                      </p:cBhvr>
+                                      <p:to>
+                                        <p:strVal val="visible"/>
+                                      </p:to>
+                                    </p:set>
+                                    <p:animEffect transition="in" filter="fade">
+                                      <p:cBhvr>
                                         <p:cTn id="69" dur="500"/>
                                         <p:tgtEl>
                                           <p:spTgt spid="3">
                                             <p:txEl>
-                                              <p:pRg st="8" end="8"/>
+                                              <p:pRg st="10" end="10"/>
                                             </p:txEl>
                                           </p:spTgt>
                                         </p:tgtEl>
